--- a/business/Tracer.pptx
+++ b/business/Tracer.pptx
@@ -5,14 +5,16 @@
     <p:sldMasterId id="2147483648" r:id="rId1"/>
   </p:sldMasterIdLst>
   <p:notesMasterIdLst>
-    <p:notesMasterId r:id="rId7"/>
+    <p:notesMasterId r:id="rId9"/>
   </p:notesMasterIdLst>
   <p:sldIdLst>
     <p:sldId id="256" r:id="rId2"/>
     <p:sldId id="257" r:id="rId3"/>
     <p:sldId id="258" r:id="rId4"/>
     <p:sldId id="259" r:id="rId5"/>
-    <p:sldId id="260" r:id="rId6"/>
+    <p:sldId id="261" r:id="rId6"/>
+    <p:sldId id="262" r:id="rId7"/>
+    <p:sldId id="260" r:id="rId8"/>
   </p:sldIdLst>
   <p:sldSz cx="12192000" cy="6858000"/>
   <p:notesSz cx="6858000" cy="9144000"/>
@@ -3886,21 +3888,22 @@
         </p:nvSpPr>
         <p:spPr>
           <a:xfrm>
-            <a:off x="2314575" y="1341602"/>
-            <a:ext cx="9144000" cy="2387600"/>
+            <a:off x="5961888" y="2766152"/>
+            <a:ext cx="4984536" cy="963050"/>
           </a:xfrm>
         </p:spPr>
         <p:txBody>
           <a:bodyPr/>
           <a:lstStyle/>
           <a:p>
+            <a:pPr algn="l"/>
             <a:r>
               <a:rPr lang="de-DE" dirty="0">
                 <a:solidFill>
                   <a:srgbClr val="80CDEC"/>
                 </a:solidFill>
               </a:rPr>
-              <a:t>Tracer</a:t>
+              <a:t>Pitch Deck</a:t>
             </a:r>
           </a:p>
         </p:txBody>
@@ -3994,10 +3997,10 @@
       </p:cxnSp>
       <p:pic>
         <p:nvPicPr>
-          <p:cNvPr id="13" name="Grafik 12">
-            <a:extLst>
-              <a:ext uri="{FF2B5EF4-FFF2-40B4-BE49-F238E27FC236}">
-                <a16:creationId xmlns:a16="http://schemas.microsoft.com/office/drawing/2014/main" id="{93416C8A-C405-4DC9-9D4E-3824B931A5FF}"/>
+          <p:cNvPr id="5" name="Grafik 4">
+            <a:extLst>
+              <a:ext uri="{FF2B5EF4-FFF2-40B4-BE49-F238E27FC236}">
+                <a16:creationId xmlns:a16="http://schemas.microsoft.com/office/drawing/2014/main" id="{C55D7EA0-CEE6-409D-8054-68CF6E2BFE9D}"/>
               </a:ext>
             </a:extLst>
           </p:cNvPr>
@@ -4012,9 +4015,6 @@
               <a:ext uri="{28A0092B-C50C-407E-A947-70E740481C1C}">
                 <a14:useLocalDpi xmlns:a14="http://schemas.microsoft.com/office/drawing/2010/main" val="0"/>
               </a:ext>
-              <a:ext uri="{96DAC541-7B7A-43D3-8B79-37D633B846F1}">
-                <asvg:svgBlip xmlns:asvg="http://schemas.microsoft.com/office/drawing/2016/SVG/main" r:embed="rId3"/>
-              </a:ext>
             </a:extLst>
           </a:blip>
           <a:stretch>
@@ -4023,8 +4023,8 @@
         </p:blipFill>
         <p:spPr>
           <a:xfrm>
-            <a:off x="-483577" y="30040"/>
-            <a:ext cx="6858000" cy="6858000"/>
+            <a:off x="733425" y="1147559"/>
+            <a:ext cx="4368839" cy="4368839"/>
           </a:xfrm>
           <a:prstGeom prst="rect">
             <a:avLst/>
@@ -4277,6 +4277,356 @@
           </a:p>
         </p:txBody>
       </p:sp>
+      <p:sp>
+        <p:nvSpPr>
+          <p:cNvPr id="27" name="Rechteck: abgerundete Ecken 26">
+            <a:extLst>
+              <a:ext uri="{FF2B5EF4-FFF2-40B4-BE49-F238E27FC236}">
+                <a16:creationId xmlns:a16="http://schemas.microsoft.com/office/drawing/2014/main" id="{D139ECD7-A0B8-4CFD-BC7B-4E2532A4A4BE}"/>
+              </a:ext>
+            </a:extLst>
+          </p:cNvPr>
+          <p:cNvSpPr/>
+          <p:nvPr/>
+        </p:nvSpPr>
+        <p:spPr>
+          <a:xfrm>
+            <a:off x="969264" y="2084832"/>
+            <a:ext cx="3069336" cy="658368"/>
+          </a:xfrm>
+          <a:prstGeom prst="roundRect">
+            <a:avLst/>
+          </a:prstGeom>
+          <a:noFill/>
+          <a:ln>
+            <a:solidFill>
+              <a:schemeClr val="bg1">
+                <a:lumMod val="65000"/>
+              </a:schemeClr>
+            </a:solidFill>
+          </a:ln>
+        </p:spPr>
+        <p:style>
+          <a:lnRef idx="2">
+            <a:schemeClr val="accent1">
+              <a:shade val="50000"/>
+            </a:schemeClr>
+          </a:lnRef>
+          <a:fillRef idx="1">
+            <a:schemeClr val="accent1"/>
+          </a:fillRef>
+          <a:effectRef idx="0">
+            <a:schemeClr val="accent1"/>
+          </a:effectRef>
+          <a:fontRef idx="minor">
+            <a:schemeClr val="lt1"/>
+          </a:fontRef>
+        </p:style>
+        <p:txBody>
+          <a:bodyPr rtlCol="0" anchor="ctr"/>
+          <a:lstStyle/>
+          <a:p>
+            <a:pPr algn="ctr"/>
+            <a:r>
+              <a:rPr lang="en-US">
+                <a:solidFill>
+                  <a:schemeClr val="bg1">
+                    <a:lumMod val="65000"/>
+                  </a:schemeClr>
+                </a:solidFill>
+              </a:rPr>
+              <a:t>Private</a:t>
+            </a:r>
+          </a:p>
+        </p:txBody>
+      </p:sp>
+      <p:sp>
+        <p:nvSpPr>
+          <p:cNvPr id="28" name="Rechteck: abgerundete Ecken 27">
+            <a:extLst>
+              <a:ext uri="{FF2B5EF4-FFF2-40B4-BE49-F238E27FC236}">
+                <a16:creationId xmlns:a16="http://schemas.microsoft.com/office/drawing/2014/main" id="{E04A01B7-D831-4CB9-8667-708538697A57}"/>
+              </a:ext>
+            </a:extLst>
+          </p:cNvPr>
+          <p:cNvSpPr/>
+          <p:nvPr/>
+        </p:nvSpPr>
+        <p:spPr>
+          <a:xfrm>
+            <a:off x="969264" y="2930397"/>
+            <a:ext cx="3069336" cy="658368"/>
+          </a:xfrm>
+          <a:prstGeom prst="roundRect">
+            <a:avLst/>
+          </a:prstGeom>
+          <a:noFill/>
+          <a:ln>
+            <a:solidFill>
+              <a:schemeClr val="bg1">
+                <a:lumMod val="65000"/>
+              </a:schemeClr>
+            </a:solidFill>
+          </a:ln>
+        </p:spPr>
+        <p:style>
+          <a:lnRef idx="2">
+            <a:schemeClr val="accent1">
+              <a:shade val="50000"/>
+            </a:schemeClr>
+          </a:lnRef>
+          <a:fillRef idx="1">
+            <a:schemeClr val="accent1"/>
+          </a:fillRef>
+          <a:effectRef idx="0">
+            <a:schemeClr val="accent1"/>
+          </a:effectRef>
+          <a:fontRef idx="minor">
+            <a:schemeClr val="lt1"/>
+          </a:fontRef>
+        </p:style>
+        <p:txBody>
+          <a:bodyPr rtlCol="0" anchor="ctr"/>
+          <a:lstStyle/>
+          <a:p>
+            <a:pPr algn="ctr"/>
+            <a:r>
+              <a:rPr lang="en-US" dirty="0">
+                <a:solidFill>
+                  <a:schemeClr val="bg1">
+                    <a:lumMod val="65000"/>
+                  </a:schemeClr>
+                </a:solidFill>
+              </a:rPr>
+              <a:t>Easy to use</a:t>
+            </a:r>
+          </a:p>
+        </p:txBody>
+      </p:sp>
+      <p:sp>
+        <p:nvSpPr>
+          <p:cNvPr id="29" name="Rechteck: abgerundete Ecken 28">
+            <a:extLst>
+              <a:ext uri="{FF2B5EF4-FFF2-40B4-BE49-F238E27FC236}">
+                <a16:creationId xmlns:a16="http://schemas.microsoft.com/office/drawing/2014/main" id="{782EB04D-AACD-4F94-9C75-AD756AEDE368}"/>
+              </a:ext>
+            </a:extLst>
+          </p:cNvPr>
+          <p:cNvSpPr/>
+          <p:nvPr/>
+        </p:nvSpPr>
+        <p:spPr>
+          <a:xfrm>
+            <a:off x="969264" y="3775962"/>
+            <a:ext cx="3069336" cy="658368"/>
+          </a:xfrm>
+          <a:prstGeom prst="roundRect">
+            <a:avLst/>
+          </a:prstGeom>
+          <a:noFill/>
+          <a:ln>
+            <a:solidFill>
+              <a:schemeClr val="bg1">
+                <a:lumMod val="65000"/>
+              </a:schemeClr>
+            </a:solidFill>
+          </a:ln>
+        </p:spPr>
+        <p:style>
+          <a:lnRef idx="2">
+            <a:schemeClr val="accent1">
+              <a:shade val="50000"/>
+            </a:schemeClr>
+          </a:lnRef>
+          <a:fillRef idx="1">
+            <a:schemeClr val="accent1"/>
+          </a:fillRef>
+          <a:effectRef idx="0">
+            <a:schemeClr val="accent1"/>
+          </a:effectRef>
+          <a:fontRef idx="minor">
+            <a:schemeClr val="lt1"/>
+          </a:fontRef>
+        </p:style>
+        <p:txBody>
+          <a:bodyPr rtlCol="0" anchor="ctr"/>
+          <a:lstStyle/>
+          <a:p>
+            <a:pPr algn="ctr"/>
+            <a:r>
+              <a:rPr lang="en-US">
+                <a:solidFill>
+                  <a:schemeClr val="bg1">
+                    <a:lumMod val="65000"/>
+                  </a:schemeClr>
+                </a:solidFill>
+              </a:rPr>
+              <a:t>Inexpensive to implement</a:t>
+            </a:r>
+          </a:p>
+        </p:txBody>
+      </p:sp>
+      <p:pic>
+        <p:nvPicPr>
+          <p:cNvPr id="31" name="Grafik 30" descr="Smartphone">
+            <a:extLst>
+              <a:ext uri="{FF2B5EF4-FFF2-40B4-BE49-F238E27FC236}">
+                <a16:creationId xmlns:a16="http://schemas.microsoft.com/office/drawing/2014/main" id="{4321C195-AC25-4CB1-822D-8FF2BBEBFF7B}"/>
+              </a:ext>
+            </a:extLst>
+          </p:cNvPr>
+          <p:cNvPicPr>
+            <a:picLocks noChangeAspect="1"/>
+          </p:cNvPicPr>
+          <p:nvPr/>
+        </p:nvPicPr>
+        <p:blipFill>
+          <a:blip r:embed="rId2">
+            <a:extLst>
+              <a:ext uri="{28A0092B-C50C-407E-A947-70E740481C1C}">
+                <a14:useLocalDpi xmlns:a14="http://schemas.microsoft.com/office/drawing/2010/main" val="0"/>
+              </a:ext>
+              <a:ext uri="{96DAC541-7B7A-43D3-8B79-37D633B846F1}">
+                <asvg:svgBlip xmlns:asvg="http://schemas.microsoft.com/office/drawing/2016/SVG/main" r:embed="rId3"/>
+              </a:ext>
+            </a:extLst>
+          </a:blip>
+          <a:stretch>
+            <a:fillRect/>
+          </a:stretch>
+        </p:blipFill>
+        <p:spPr>
+          <a:xfrm>
+            <a:off x="7696200" y="2345181"/>
+            <a:ext cx="914400" cy="914400"/>
+          </a:xfrm>
+          <a:prstGeom prst="rect">
+            <a:avLst/>
+          </a:prstGeom>
+        </p:spPr>
+      </p:pic>
+      <p:cxnSp>
+        <p:nvCxnSpPr>
+          <p:cNvPr id="33" name="Gerade Verbindung mit Pfeil 32">
+            <a:extLst>
+              <a:ext uri="{FF2B5EF4-FFF2-40B4-BE49-F238E27FC236}">
+                <a16:creationId xmlns:a16="http://schemas.microsoft.com/office/drawing/2014/main" id="{11B83E85-801A-4DD9-85E2-9D572D014744}"/>
+              </a:ext>
+            </a:extLst>
+          </p:cNvPr>
+          <p:cNvCxnSpPr/>
+          <p:nvPr/>
+        </p:nvCxnSpPr>
+        <p:spPr>
+          <a:xfrm>
+            <a:off x="4983480" y="3323589"/>
+            <a:ext cx="1600200" cy="0"/>
+          </a:xfrm>
+          <a:prstGeom prst="straightConnector1">
+            <a:avLst/>
+          </a:prstGeom>
+          <a:ln>
+            <a:solidFill>
+              <a:schemeClr val="bg1">
+                <a:lumMod val="65000"/>
+              </a:schemeClr>
+            </a:solidFill>
+            <a:tailEnd type="triangle"/>
+          </a:ln>
+        </p:spPr>
+        <p:style>
+          <a:lnRef idx="1">
+            <a:schemeClr val="dk1"/>
+          </a:lnRef>
+          <a:fillRef idx="0">
+            <a:schemeClr val="dk1"/>
+          </a:fillRef>
+          <a:effectRef idx="0">
+            <a:schemeClr val="dk1"/>
+          </a:effectRef>
+          <a:fontRef idx="minor">
+            <a:schemeClr val="tx1"/>
+          </a:fontRef>
+        </p:style>
+      </p:cxnSp>
+      <p:pic>
+        <p:nvPicPr>
+          <p:cNvPr id="34" name="Grafik 33">
+            <a:extLst>
+              <a:ext uri="{FF2B5EF4-FFF2-40B4-BE49-F238E27FC236}">
+                <a16:creationId xmlns:a16="http://schemas.microsoft.com/office/drawing/2014/main" id="{5734DE4D-357D-47A2-BDE6-C45BD9CF02A7}"/>
+              </a:ext>
+            </a:extLst>
+          </p:cNvPr>
+          <p:cNvPicPr>
+            <a:picLocks noChangeAspect="1"/>
+          </p:cNvPicPr>
+          <p:nvPr/>
+        </p:nvPicPr>
+        <p:blipFill>
+          <a:blip r:embed="rId4">
+            <a:extLst>
+              <a:ext uri="{28A0092B-C50C-407E-A947-70E740481C1C}">
+                <a14:useLocalDpi xmlns:a14="http://schemas.microsoft.com/office/drawing/2010/main" val="0"/>
+              </a:ext>
+              <a:ext uri="{96DAC541-7B7A-43D3-8B79-37D633B846F1}">
+                <asvg:svgBlip xmlns:asvg="http://schemas.microsoft.com/office/drawing/2016/SVG/main" r:embed="rId5"/>
+              </a:ext>
+            </a:extLst>
+          </a:blip>
+          <a:stretch>
+            <a:fillRect/>
+          </a:stretch>
+        </p:blipFill>
+        <p:spPr>
+          <a:xfrm>
+            <a:off x="9890760" y="2286000"/>
+            <a:ext cx="914400" cy="914400"/>
+          </a:xfrm>
+          <a:prstGeom prst="rect">
+            <a:avLst/>
+          </a:prstGeom>
+        </p:spPr>
+      </p:pic>
+      <p:pic>
+        <p:nvPicPr>
+          <p:cNvPr id="35" name="Grafik 34" descr="Datenbank">
+            <a:extLst>
+              <a:ext uri="{FF2B5EF4-FFF2-40B4-BE49-F238E27FC236}">
+                <a16:creationId xmlns:a16="http://schemas.microsoft.com/office/drawing/2014/main" id="{3DC14E25-E9A2-4A0C-8542-7426C15EC72D}"/>
+              </a:ext>
+            </a:extLst>
+          </p:cNvPr>
+          <p:cNvPicPr>
+            <a:picLocks noChangeAspect="1"/>
+          </p:cNvPicPr>
+          <p:nvPr/>
+        </p:nvPicPr>
+        <p:blipFill>
+          <a:blip r:embed="rId6">
+            <a:extLst>
+              <a:ext uri="{28A0092B-C50C-407E-A947-70E740481C1C}">
+                <a14:useLocalDpi xmlns:a14="http://schemas.microsoft.com/office/drawing/2010/main" val="0"/>
+              </a:ext>
+              <a:ext uri="{96DAC541-7B7A-43D3-8B79-37D633B846F1}">
+                <asvg:svgBlip xmlns:asvg="http://schemas.microsoft.com/office/drawing/2016/SVG/main" r:embed="rId7"/>
+              </a:ext>
+            </a:extLst>
+          </a:blip>
+          <a:stretch>
+            <a:fillRect/>
+          </a:stretch>
+        </p:blipFill>
+        <p:spPr>
+          <a:xfrm>
+            <a:off x="8857488" y="3429000"/>
+            <a:ext cx="914400" cy="914400"/>
+          </a:xfrm>
+          <a:prstGeom prst="rect">
+            <a:avLst/>
+          </a:prstGeom>
+        </p:spPr>
+      </p:pic>
     </p:spTree>
     <p:extLst>
       <p:ext uri="{BB962C8B-B14F-4D97-AF65-F5344CB8AC3E}">
@@ -4334,7 +4684,7 @@
                   <a:srgbClr val="80CDEC"/>
                 </a:solidFill>
               </a:rPr>
-              <a:t>Technical System</a:t>
+              <a:t>System – New Entry</a:t>
             </a:r>
           </a:p>
         </p:txBody>
@@ -4396,6 +4746,721 @@
           </a:p>
         </p:txBody>
       </p:sp>
+      <p:sp>
+        <p:nvSpPr>
+          <p:cNvPr id="19" name="Rechteck: abgerundete Ecken 18">
+            <a:extLst>
+              <a:ext uri="{FF2B5EF4-FFF2-40B4-BE49-F238E27FC236}">
+                <a16:creationId xmlns:a16="http://schemas.microsoft.com/office/drawing/2014/main" id="{2DB69214-B867-40B6-9AAF-B3DD1EE85EBF}"/>
+              </a:ext>
+            </a:extLst>
+          </p:cNvPr>
+          <p:cNvSpPr/>
+          <p:nvPr/>
+        </p:nvSpPr>
+        <p:spPr>
+          <a:xfrm>
+            <a:off x="7961470" y="2057344"/>
+            <a:ext cx="1724521" cy="353950"/>
+          </a:xfrm>
+          <a:prstGeom prst="roundRect">
+            <a:avLst/>
+          </a:prstGeom>
+          <a:noFill/>
+          <a:ln>
+            <a:solidFill>
+              <a:schemeClr val="bg1">
+                <a:lumMod val="65000"/>
+              </a:schemeClr>
+            </a:solidFill>
+          </a:ln>
+        </p:spPr>
+        <p:style>
+          <a:lnRef idx="2">
+            <a:schemeClr val="accent1">
+              <a:shade val="50000"/>
+            </a:schemeClr>
+          </a:lnRef>
+          <a:fillRef idx="1">
+            <a:schemeClr val="accent1"/>
+          </a:fillRef>
+          <a:effectRef idx="0">
+            <a:schemeClr val="accent1"/>
+          </a:effectRef>
+          <a:fontRef idx="minor">
+            <a:schemeClr val="lt1"/>
+          </a:fontRef>
+        </p:style>
+        <p:txBody>
+          <a:bodyPr rtlCol="0" anchor="ctr"/>
+          <a:lstStyle/>
+          <a:p>
+            <a:pPr algn="ctr"/>
+            <a:r>
+              <a:rPr lang="en-US" dirty="0">
+                <a:solidFill>
+                  <a:schemeClr val="bg1">
+                    <a:lumMod val="65000"/>
+                  </a:schemeClr>
+                </a:solidFill>
+              </a:rPr>
+              <a:t>Unique user ID</a:t>
+            </a:r>
+          </a:p>
+        </p:txBody>
+      </p:sp>
+      <p:sp>
+        <p:nvSpPr>
+          <p:cNvPr id="20" name="Rechteck: abgerundete Ecken 19">
+            <a:extLst>
+              <a:ext uri="{FF2B5EF4-FFF2-40B4-BE49-F238E27FC236}">
+                <a16:creationId xmlns:a16="http://schemas.microsoft.com/office/drawing/2014/main" id="{2C6061F6-501A-408E-8228-C82F35EB2E91}"/>
+              </a:ext>
+            </a:extLst>
+          </p:cNvPr>
+          <p:cNvSpPr/>
+          <p:nvPr/>
+        </p:nvSpPr>
+        <p:spPr>
+          <a:xfrm>
+            <a:off x="6224925" y="4523991"/>
+            <a:ext cx="1355255" cy="365126"/>
+          </a:xfrm>
+          <a:prstGeom prst="roundRect">
+            <a:avLst/>
+          </a:prstGeom>
+          <a:noFill/>
+          <a:ln>
+            <a:solidFill>
+              <a:schemeClr val="bg1">
+                <a:lumMod val="65000"/>
+              </a:schemeClr>
+            </a:solidFill>
+          </a:ln>
+        </p:spPr>
+        <p:style>
+          <a:lnRef idx="2">
+            <a:schemeClr val="accent1">
+              <a:shade val="50000"/>
+            </a:schemeClr>
+          </a:lnRef>
+          <a:fillRef idx="1">
+            <a:schemeClr val="accent1"/>
+          </a:fillRef>
+          <a:effectRef idx="0">
+            <a:schemeClr val="accent1"/>
+          </a:effectRef>
+          <a:fontRef idx="minor">
+            <a:schemeClr val="lt1"/>
+          </a:fontRef>
+        </p:style>
+        <p:txBody>
+          <a:bodyPr rtlCol="0" anchor="ctr"/>
+          <a:lstStyle/>
+          <a:p>
+            <a:pPr algn="ctr"/>
+            <a:r>
+              <a:rPr lang="en-US" dirty="0">
+                <a:solidFill>
+                  <a:schemeClr val="bg1">
+                    <a:lumMod val="65000"/>
+                  </a:schemeClr>
+                </a:solidFill>
+              </a:rPr>
+              <a:t>Timestamp</a:t>
+            </a:r>
+          </a:p>
+        </p:txBody>
+      </p:sp>
+      <p:sp>
+        <p:nvSpPr>
+          <p:cNvPr id="21" name="Rechteck: abgerundete Ecken 20">
+            <a:extLst>
+              <a:ext uri="{FF2B5EF4-FFF2-40B4-BE49-F238E27FC236}">
+                <a16:creationId xmlns:a16="http://schemas.microsoft.com/office/drawing/2014/main" id="{A92E031D-3D6B-496B-AD89-63A7B59CA6A1}"/>
+              </a:ext>
+            </a:extLst>
+          </p:cNvPr>
+          <p:cNvSpPr/>
+          <p:nvPr/>
+        </p:nvSpPr>
+        <p:spPr>
+          <a:xfrm>
+            <a:off x="6224925" y="4017481"/>
+            <a:ext cx="1355255" cy="365126"/>
+          </a:xfrm>
+          <a:prstGeom prst="roundRect">
+            <a:avLst/>
+          </a:prstGeom>
+          <a:noFill/>
+          <a:ln>
+            <a:solidFill>
+              <a:schemeClr val="bg1">
+                <a:lumMod val="65000"/>
+              </a:schemeClr>
+            </a:solidFill>
+          </a:ln>
+        </p:spPr>
+        <p:style>
+          <a:lnRef idx="2">
+            <a:schemeClr val="accent1">
+              <a:shade val="50000"/>
+            </a:schemeClr>
+          </a:lnRef>
+          <a:fillRef idx="1">
+            <a:schemeClr val="accent1"/>
+          </a:fillRef>
+          <a:effectRef idx="0">
+            <a:schemeClr val="accent1"/>
+          </a:effectRef>
+          <a:fontRef idx="minor">
+            <a:schemeClr val="lt1"/>
+          </a:fontRef>
+        </p:style>
+        <p:txBody>
+          <a:bodyPr rtlCol="0" anchor="ctr"/>
+          <a:lstStyle/>
+          <a:p>
+            <a:pPr algn="ctr"/>
+            <a:r>
+              <a:rPr lang="en-US" dirty="0">
+                <a:solidFill>
+                  <a:schemeClr val="bg1">
+                    <a:lumMod val="65000"/>
+                  </a:schemeClr>
+                </a:solidFill>
+              </a:rPr>
+              <a:t>Location ID</a:t>
+            </a:r>
+          </a:p>
+        </p:txBody>
+      </p:sp>
+      <p:grpSp>
+        <p:nvGrpSpPr>
+          <p:cNvPr id="27" name="Gruppieren 26">
+            <a:extLst>
+              <a:ext uri="{FF2B5EF4-FFF2-40B4-BE49-F238E27FC236}">
+                <a16:creationId xmlns:a16="http://schemas.microsoft.com/office/drawing/2014/main" id="{0DBE524A-1B36-4BF7-9C31-D1C56C8D6B14}"/>
+              </a:ext>
+            </a:extLst>
+          </p:cNvPr>
+          <p:cNvGrpSpPr/>
+          <p:nvPr/>
+        </p:nvGrpSpPr>
+        <p:grpSpPr>
+          <a:xfrm>
+            <a:off x="2047837" y="2927831"/>
+            <a:ext cx="7895157" cy="921292"/>
+            <a:chOff x="2255520" y="2507708"/>
+            <a:chExt cx="7895157" cy="921292"/>
+          </a:xfrm>
+        </p:grpSpPr>
+        <p:pic>
+          <p:nvPicPr>
+            <p:cNvPr id="22" name="Grafik 21" descr="Smartphone">
+              <a:extLst>
+                <a:ext uri="{FF2B5EF4-FFF2-40B4-BE49-F238E27FC236}">
+                  <a16:creationId xmlns:a16="http://schemas.microsoft.com/office/drawing/2014/main" id="{C1A9D746-5F0E-4300-BE6C-2000C2519EF0}"/>
+                </a:ext>
+              </a:extLst>
+            </p:cNvPr>
+            <p:cNvPicPr>
+              <a:picLocks noChangeAspect="1"/>
+            </p:cNvPicPr>
+            <p:nvPr/>
+          </p:nvPicPr>
+          <p:blipFill>
+            <a:blip r:embed="rId2">
+              <a:extLst>
+                <a:ext uri="{28A0092B-C50C-407E-A947-70E740481C1C}">
+                  <a14:useLocalDpi xmlns:a14="http://schemas.microsoft.com/office/drawing/2010/main" val="0"/>
+                </a:ext>
+                <a:ext uri="{96DAC541-7B7A-43D3-8B79-37D633B846F1}">
+                  <asvg:svgBlip xmlns:asvg="http://schemas.microsoft.com/office/drawing/2016/SVG/main" r:embed="rId3"/>
+                </a:ext>
+              </a:extLst>
+            </a:blip>
+            <a:stretch>
+              <a:fillRect/>
+            </a:stretch>
+          </p:blipFill>
+          <p:spPr>
+            <a:xfrm>
+              <a:off x="5788800" y="2507709"/>
+              <a:ext cx="914400" cy="914400"/>
+            </a:xfrm>
+            <a:prstGeom prst="rect">
+              <a:avLst/>
+            </a:prstGeom>
+          </p:spPr>
+        </p:pic>
+        <p:grpSp>
+          <p:nvGrpSpPr>
+            <p:cNvPr id="7" name="Gruppieren 6">
+              <a:extLst>
+                <a:ext uri="{FF2B5EF4-FFF2-40B4-BE49-F238E27FC236}">
+                  <a16:creationId xmlns:a16="http://schemas.microsoft.com/office/drawing/2014/main" id="{54B09AED-B1CA-4676-AA4D-E3553CFF9037}"/>
+                </a:ext>
+              </a:extLst>
+            </p:cNvPr>
+            <p:cNvGrpSpPr/>
+            <p:nvPr/>
+          </p:nvGrpSpPr>
+          <p:grpSpPr>
+            <a:xfrm>
+              <a:off x="2255520" y="2507709"/>
+              <a:ext cx="7895157" cy="921291"/>
+              <a:chOff x="2255520" y="2507709"/>
+              <a:chExt cx="7895157" cy="921291"/>
+            </a:xfrm>
+          </p:grpSpPr>
+          <p:grpSp>
+            <p:nvGrpSpPr>
+              <p:cNvPr id="8" name="Gruppieren 7">
+                <a:extLst>
+                  <a:ext uri="{FF2B5EF4-FFF2-40B4-BE49-F238E27FC236}">
+                    <a16:creationId xmlns:a16="http://schemas.microsoft.com/office/drawing/2014/main" id="{5C968A69-A718-435A-9B53-0D31FA8ED749}"/>
+                  </a:ext>
+                </a:extLst>
+              </p:cNvPr>
+              <p:cNvGrpSpPr/>
+              <p:nvPr/>
+            </p:nvGrpSpPr>
+            <p:grpSpPr>
+              <a:xfrm>
+                <a:off x="2255520" y="2507709"/>
+                <a:ext cx="7895157" cy="921291"/>
+                <a:chOff x="1377696" y="2507709"/>
+                <a:chExt cx="7895157" cy="921291"/>
+              </a:xfrm>
+            </p:grpSpPr>
+            <p:pic>
+              <p:nvPicPr>
+                <p:cNvPr id="13" name="Grafik 12" descr="Benutzer">
+                  <a:extLst>
+                    <a:ext uri="{FF2B5EF4-FFF2-40B4-BE49-F238E27FC236}">
+                      <a16:creationId xmlns:a16="http://schemas.microsoft.com/office/drawing/2014/main" id="{906A74F4-FB42-4F31-B215-B3F7D597D730}"/>
+                    </a:ext>
+                  </a:extLst>
+                </p:cNvPr>
+                <p:cNvPicPr>
+                  <a:picLocks noChangeAspect="1"/>
+                </p:cNvPicPr>
+                <p:nvPr/>
+              </p:nvPicPr>
+              <p:blipFill>
+                <a:blip r:embed="rId4">
+                  <a:extLst>
+                    <a:ext uri="{28A0092B-C50C-407E-A947-70E740481C1C}">
+                      <a14:useLocalDpi xmlns:a14="http://schemas.microsoft.com/office/drawing/2010/main" val="0"/>
+                    </a:ext>
+                    <a:ext uri="{96DAC541-7B7A-43D3-8B79-37D633B846F1}">
+                      <asvg:svgBlip xmlns:asvg="http://schemas.microsoft.com/office/drawing/2016/SVG/main" r:embed="rId5"/>
+                    </a:ext>
+                  </a:extLst>
+                </a:blip>
+                <a:stretch>
+                  <a:fillRect/>
+                </a:stretch>
+              </p:blipFill>
+              <p:spPr>
+                <a:xfrm>
+                  <a:off x="1377696" y="2514600"/>
+                  <a:ext cx="914400" cy="914400"/>
+                </a:xfrm>
+                <a:prstGeom prst="rect">
+                  <a:avLst/>
+                </a:prstGeom>
+              </p:spPr>
+            </p:pic>
+            <p:pic>
+              <p:nvPicPr>
+                <p:cNvPr id="14" name="Grafik 13" descr="Kiosk">
+                  <a:extLst>
+                    <a:ext uri="{FF2B5EF4-FFF2-40B4-BE49-F238E27FC236}">
+                      <a16:creationId xmlns:a16="http://schemas.microsoft.com/office/drawing/2014/main" id="{CA710EE3-ECE0-4B69-B75B-835E1159ACAB}"/>
+                    </a:ext>
+                  </a:extLst>
+                </p:cNvPr>
+                <p:cNvPicPr>
+                  <a:picLocks noChangeAspect="1"/>
+                </p:cNvPicPr>
+                <p:nvPr/>
+              </p:nvPicPr>
+              <p:blipFill>
+                <a:blip r:embed="rId6">
+                  <a:extLst>
+                    <a:ext uri="{28A0092B-C50C-407E-A947-70E740481C1C}">
+                      <a14:useLocalDpi xmlns:a14="http://schemas.microsoft.com/office/drawing/2010/main" val="0"/>
+                    </a:ext>
+                    <a:ext uri="{96DAC541-7B7A-43D3-8B79-37D633B846F1}">
+                      <asvg:svgBlip xmlns:asvg="http://schemas.microsoft.com/office/drawing/2016/SVG/main" r:embed="rId7"/>
+                    </a:ext>
+                  </a:extLst>
+                </a:blip>
+                <a:stretch>
+                  <a:fillRect/>
+                </a:stretch>
+              </p:blipFill>
+              <p:spPr>
+                <a:xfrm>
+                  <a:off x="3124200" y="2514600"/>
+                  <a:ext cx="914400" cy="914400"/>
+                </a:xfrm>
+                <a:prstGeom prst="rect">
+                  <a:avLst/>
+                </a:prstGeom>
+              </p:spPr>
+            </p:pic>
+            <p:pic>
+              <p:nvPicPr>
+                <p:cNvPr id="15" name="Grafik 14" descr="Server">
+                  <a:extLst>
+                    <a:ext uri="{FF2B5EF4-FFF2-40B4-BE49-F238E27FC236}">
+                      <a16:creationId xmlns:a16="http://schemas.microsoft.com/office/drawing/2014/main" id="{A73995C3-CA1E-4163-9072-323FE172013C}"/>
+                    </a:ext>
+                  </a:extLst>
+                </p:cNvPr>
+                <p:cNvPicPr>
+                  <a:picLocks noChangeAspect="1"/>
+                </p:cNvPicPr>
+                <p:nvPr/>
+              </p:nvPicPr>
+              <p:blipFill>
+                <a:blip r:embed="rId8">
+                  <a:extLst>
+                    <a:ext uri="{28A0092B-C50C-407E-A947-70E740481C1C}">
+                      <a14:useLocalDpi xmlns:a14="http://schemas.microsoft.com/office/drawing/2010/main" val="0"/>
+                    </a:ext>
+                    <a:ext uri="{96DAC541-7B7A-43D3-8B79-37D633B846F1}">
+                      <asvg:svgBlip xmlns:asvg="http://schemas.microsoft.com/office/drawing/2016/SVG/main" r:embed="rId9"/>
+                    </a:ext>
+                  </a:extLst>
+                </a:blip>
+                <a:stretch>
+                  <a:fillRect/>
+                </a:stretch>
+              </p:blipFill>
+              <p:spPr>
+                <a:xfrm>
+                  <a:off x="6613702" y="2509773"/>
+                  <a:ext cx="914400" cy="914400"/>
+                </a:xfrm>
+                <a:prstGeom prst="rect">
+                  <a:avLst/>
+                </a:prstGeom>
+              </p:spPr>
+            </p:pic>
+            <p:pic>
+              <p:nvPicPr>
+                <p:cNvPr id="16" name="Grafik 15" descr="Datenbank">
+                  <a:extLst>
+                    <a:ext uri="{FF2B5EF4-FFF2-40B4-BE49-F238E27FC236}">
+                      <a16:creationId xmlns:a16="http://schemas.microsoft.com/office/drawing/2014/main" id="{1BC2A6DB-A34D-41FC-A443-85A1DCDDDF7D}"/>
+                    </a:ext>
+                  </a:extLst>
+                </p:cNvPr>
+                <p:cNvPicPr>
+                  <a:picLocks noChangeAspect="1"/>
+                </p:cNvPicPr>
+                <p:nvPr/>
+              </p:nvPicPr>
+              <p:blipFill>
+                <a:blip r:embed="rId10">
+                  <a:extLst>
+                    <a:ext uri="{28A0092B-C50C-407E-A947-70E740481C1C}">
+                      <a14:useLocalDpi xmlns:a14="http://schemas.microsoft.com/office/drawing/2010/main" val="0"/>
+                    </a:ext>
+                    <a:ext uri="{96DAC541-7B7A-43D3-8B79-37D633B846F1}">
+                      <asvg:svgBlip xmlns:asvg="http://schemas.microsoft.com/office/drawing/2016/SVG/main" r:embed="rId11"/>
+                    </a:ext>
+                  </a:extLst>
+                </a:blip>
+                <a:stretch>
+                  <a:fillRect/>
+                </a:stretch>
+              </p:blipFill>
+              <p:spPr>
+                <a:xfrm>
+                  <a:off x="8358453" y="2507709"/>
+                  <a:ext cx="914400" cy="914400"/>
+                </a:xfrm>
+                <a:prstGeom prst="rect">
+                  <a:avLst/>
+                </a:prstGeom>
+              </p:spPr>
+            </p:pic>
+            <p:pic>
+              <p:nvPicPr>
+                <p:cNvPr id="17" name="Grafik 16">
+                  <a:extLst>
+                    <a:ext uri="{FF2B5EF4-FFF2-40B4-BE49-F238E27FC236}">
+                      <a16:creationId xmlns:a16="http://schemas.microsoft.com/office/drawing/2014/main" id="{DCDA85F7-3730-4F4E-872A-3226D885BE41}"/>
+                    </a:ext>
+                  </a:extLst>
+                </p:cNvPr>
+                <p:cNvPicPr>
+                  <a:picLocks noChangeAspect="1"/>
+                </p:cNvPicPr>
+                <p:nvPr/>
+              </p:nvPicPr>
+              <p:blipFill>
+                <a:blip r:embed="rId12">
+                  <a:extLst>
+                    <a:ext uri="{28A0092B-C50C-407E-A947-70E740481C1C}">
+                      <a14:useLocalDpi xmlns:a14="http://schemas.microsoft.com/office/drawing/2010/main" val="0"/>
+                    </a:ext>
+                    <a:ext uri="{96DAC541-7B7A-43D3-8B79-37D633B846F1}">
+                      <asvg:svgBlip xmlns:asvg="http://schemas.microsoft.com/office/drawing/2016/SVG/main" r:embed="rId13"/>
+                    </a:ext>
+                  </a:extLst>
+                </a:blip>
+                <a:stretch>
+                  <a:fillRect/>
+                </a:stretch>
+              </p:blipFill>
+              <p:spPr>
+                <a:xfrm>
+                  <a:off x="5181567" y="2728208"/>
+                  <a:ext cx="373217" cy="373217"/>
+                </a:xfrm>
+                <a:prstGeom prst="rect">
+                  <a:avLst/>
+                </a:prstGeom>
+              </p:spPr>
+            </p:pic>
+          </p:grpSp>
+          <p:cxnSp>
+            <p:nvCxnSpPr>
+              <p:cNvPr id="9" name="Gerade Verbindung mit Pfeil 8">
+                <a:extLst>
+                  <a:ext uri="{FF2B5EF4-FFF2-40B4-BE49-F238E27FC236}">
+                    <a16:creationId xmlns:a16="http://schemas.microsoft.com/office/drawing/2014/main" id="{6DC2FED1-9811-4CD1-9017-88E39144AFBB}"/>
+                  </a:ext>
+                </a:extLst>
+              </p:cNvPr>
+              <p:cNvCxnSpPr>
+                <a:stCxn id="13" idx="3"/>
+                <a:endCxn id="14" idx="1"/>
+              </p:cNvCxnSpPr>
+              <p:nvPr/>
+            </p:nvCxnSpPr>
+            <p:spPr>
+              <a:xfrm>
+                <a:off x="3169920" y="2971800"/>
+                <a:ext cx="832104" cy="0"/>
+              </a:xfrm>
+              <a:prstGeom prst="straightConnector1">
+                <a:avLst/>
+              </a:prstGeom>
+              <a:ln>
+                <a:solidFill>
+                  <a:schemeClr val="bg1">
+                    <a:lumMod val="65000"/>
+                  </a:schemeClr>
+                </a:solidFill>
+                <a:tailEnd type="triangle"/>
+              </a:ln>
+            </p:spPr>
+            <p:style>
+              <a:lnRef idx="1">
+                <a:schemeClr val="dk1"/>
+              </a:lnRef>
+              <a:fillRef idx="0">
+                <a:schemeClr val="dk1"/>
+              </a:fillRef>
+              <a:effectRef idx="0">
+                <a:schemeClr val="dk1"/>
+              </a:effectRef>
+              <a:fontRef idx="minor">
+                <a:schemeClr val="tx1"/>
+              </a:fontRef>
+            </p:style>
+          </p:cxnSp>
+          <p:cxnSp>
+            <p:nvCxnSpPr>
+              <p:cNvPr id="10" name="Gerade Verbindung mit Pfeil 9">
+                <a:extLst>
+                  <a:ext uri="{FF2B5EF4-FFF2-40B4-BE49-F238E27FC236}">
+                    <a16:creationId xmlns:a16="http://schemas.microsoft.com/office/drawing/2014/main" id="{CF0C01D2-7F06-4A1E-BA3D-FF60556BB380}"/>
+                  </a:ext>
+                </a:extLst>
+              </p:cNvPr>
+              <p:cNvCxnSpPr/>
+              <p:nvPr/>
+            </p:nvCxnSpPr>
+            <p:spPr>
+              <a:xfrm>
+                <a:off x="4916424" y="2964909"/>
+                <a:ext cx="832104" cy="0"/>
+              </a:xfrm>
+              <a:prstGeom prst="straightConnector1">
+                <a:avLst/>
+              </a:prstGeom>
+              <a:ln>
+                <a:solidFill>
+                  <a:schemeClr val="bg1">
+                    <a:lumMod val="65000"/>
+                  </a:schemeClr>
+                </a:solidFill>
+                <a:tailEnd type="triangle"/>
+              </a:ln>
+            </p:spPr>
+            <p:style>
+              <a:lnRef idx="1">
+                <a:schemeClr val="dk1"/>
+              </a:lnRef>
+              <a:fillRef idx="0">
+                <a:schemeClr val="dk1"/>
+              </a:fillRef>
+              <a:effectRef idx="0">
+                <a:schemeClr val="dk1"/>
+              </a:effectRef>
+              <a:fontRef idx="minor">
+                <a:schemeClr val="tx1"/>
+              </a:fontRef>
+            </p:style>
+          </p:cxnSp>
+          <p:cxnSp>
+            <p:nvCxnSpPr>
+              <p:cNvPr id="11" name="Gerade Verbindung mit Pfeil 10">
+                <a:extLst>
+                  <a:ext uri="{FF2B5EF4-FFF2-40B4-BE49-F238E27FC236}">
+                    <a16:creationId xmlns:a16="http://schemas.microsoft.com/office/drawing/2014/main" id="{5D2C0242-F683-4D5E-885A-53A8EBE88344}"/>
+                  </a:ext>
+                </a:extLst>
+              </p:cNvPr>
+              <p:cNvCxnSpPr/>
+              <p:nvPr/>
+            </p:nvCxnSpPr>
+            <p:spPr>
+              <a:xfrm>
+                <a:off x="6661175" y="2954970"/>
+                <a:ext cx="832104" cy="0"/>
+              </a:xfrm>
+              <a:prstGeom prst="straightConnector1">
+                <a:avLst/>
+              </a:prstGeom>
+              <a:ln>
+                <a:solidFill>
+                  <a:schemeClr val="bg1">
+                    <a:lumMod val="65000"/>
+                  </a:schemeClr>
+                </a:solidFill>
+                <a:tailEnd type="triangle"/>
+              </a:ln>
+            </p:spPr>
+            <p:style>
+              <a:lnRef idx="1">
+                <a:schemeClr val="dk1"/>
+              </a:lnRef>
+              <a:fillRef idx="0">
+                <a:schemeClr val="dk1"/>
+              </a:fillRef>
+              <a:effectRef idx="0">
+                <a:schemeClr val="dk1"/>
+              </a:effectRef>
+              <a:fontRef idx="minor">
+                <a:schemeClr val="tx1"/>
+              </a:fontRef>
+            </p:style>
+          </p:cxnSp>
+          <p:cxnSp>
+            <p:nvCxnSpPr>
+              <p:cNvPr id="12" name="Gerade Verbindung mit Pfeil 11">
+                <a:extLst>
+                  <a:ext uri="{FF2B5EF4-FFF2-40B4-BE49-F238E27FC236}">
+                    <a16:creationId xmlns:a16="http://schemas.microsoft.com/office/drawing/2014/main" id="{FD8AD53F-C8B6-49E3-B6F4-12392B09C020}"/>
+                  </a:ext>
+                </a:extLst>
+              </p:cNvPr>
+              <p:cNvCxnSpPr/>
+              <p:nvPr/>
+            </p:nvCxnSpPr>
+            <p:spPr>
+              <a:xfrm>
+                <a:off x="8405926" y="2971800"/>
+                <a:ext cx="832104" cy="0"/>
+              </a:xfrm>
+              <a:prstGeom prst="straightConnector1">
+                <a:avLst/>
+              </a:prstGeom>
+              <a:ln>
+                <a:solidFill>
+                  <a:schemeClr val="bg1">
+                    <a:lumMod val="65000"/>
+                  </a:schemeClr>
+                </a:solidFill>
+                <a:tailEnd type="triangle"/>
+              </a:ln>
+            </p:spPr>
+            <p:style>
+              <a:lnRef idx="1">
+                <a:schemeClr val="dk1"/>
+              </a:lnRef>
+              <a:fillRef idx="0">
+                <a:schemeClr val="dk1"/>
+              </a:fillRef>
+              <a:effectRef idx="0">
+                <a:schemeClr val="dk1"/>
+              </a:effectRef>
+              <a:fontRef idx="minor">
+                <a:schemeClr val="tx1"/>
+              </a:fontRef>
+            </p:style>
+          </p:cxnSp>
+        </p:grpSp>
+        <p:cxnSp>
+          <p:nvCxnSpPr>
+            <p:cNvPr id="23" name="Verbinder: gewinkelt 22">
+              <a:extLst>
+                <a:ext uri="{FF2B5EF4-FFF2-40B4-BE49-F238E27FC236}">
+                  <a16:creationId xmlns:a16="http://schemas.microsoft.com/office/drawing/2014/main" id="{4DEBED58-DB1A-442E-A0DB-756EFA0817CD}"/>
+                </a:ext>
+              </a:extLst>
+            </p:cNvPr>
+            <p:cNvCxnSpPr>
+              <a:cxnSpLocks/>
+              <a:stCxn id="16" idx="0"/>
+              <a:endCxn id="13" idx="0"/>
+            </p:cNvCxnSpPr>
+            <p:nvPr/>
+          </p:nvCxnSpPr>
+          <p:spPr>
+            <a:xfrm rot="16200000" flipH="1" flipV="1">
+              <a:off x="6199653" y="-979225"/>
+              <a:ext cx="6891" cy="6980757"/>
+            </a:xfrm>
+            <a:prstGeom prst="bentConnector3">
+              <a:avLst>
+                <a:gd name="adj1" fmla="val -4644319"/>
+              </a:avLst>
+            </a:prstGeom>
+            <a:ln>
+              <a:solidFill>
+                <a:schemeClr val="bg1">
+                  <a:lumMod val="65000"/>
+                </a:schemeClr>
+              </a:solidFill>
+              <a:tailEnd type="triangle"/>
+            </a:ln>
+          </p:spPr>
+          <p:style>
+            <a:lnRef idx="1">
+              <a:schemeClr val="accent1"/>
+            </a:lnRef>
+            <a:fillRef idx="0">
+              <a:schemeClr val="accent1"/>
+            </a:fillRef>
+            <a:effectRef idx="0">
+              <a:schemeClr val="accent1"/>
+            </a:effectRef>
+            <a:fontRef idx="minor">
+              <a:schemeClr val="tx1"/>
+            </a:fontRef>
+          </p:style>
+        </p:cxnSp>
+      </p:grpSp>
     </p:spTree>
     <p:extLst>
       <p:ext uri="{BB962C8B-B14F-4D97-AF65-F5344CB8AC3E}">
@@ -4431,6 +5496,1242 @@
           <p:cNvPr id="2" name="Titel 1">
             <a:extLst>
               <a:ext uri="{FF2B5EF4-FFF2-40B4-BE49-F238E27FC236}">
+                <a16:creationId xmlns:a16="http://schemas.microsoft.com/office/drawing/2014/main" id="{326583CF-61E1-40B7-8DC5-42AA7EC29523}"/>
+              </a:ext>
+            </a:extLst>
+          </p:cNvPr>
+          <p:cNvSpPr>
+            <a:spLocks noGrp="1"/>
+          </p:cNvSpPr>
+          <p:nvPr>
+            <p:ph type="title"/>
+          </p:nvPr>
+        </p:nvSpPr>
+        <p:spPr/>
+        <p:txBody>
+          <a:bodyPr/>
+          <a:lstStyle/>
+          <a:p>
+            <a:r>
+              <a:rPr lang="de-DE" dirty="0">
+                <a:solidFill>
+                  <a:srgbClr val="80CDEC"/>
+                </a:solidFill>
+              </a:rPr>
+              <a:t>System – </a:t>
+            </a:r>
+            <a:r>
+              <a:rPr lang="de-DE" dirty="0" err="1">
+                <a:solidFill>
+                  <a:srgbClr val="80CDEC"/>
+                </a:solidFill>
+              </a:rPr>
+              <a:t>Saved</a:t>
+            </a:r>
+            <a:r>
+              <a:rPr lang="de-DE" dirty="0">
+                <a:solidFill>
+                  <a:srgbClr val="80CDEC"/>
+                </a:solidFill>
+              </a:rPr>
+              <a:t> Data</a:t>
+            </a:r>
+          </a:p>
+        </p:txBody>
+      </p:sp>
+      <p:sp>
+        <p:nvSpPr>
+          <p:cNvPr id="5" name="Fußzeilenplatzhalter 4">
+            <a:extLst>
+              <a:ext uri="{FF2B5EF4-FFF2-40B4-BE49-F238E27FC236}">
+                <a16:creationId xmlns:a16="http://schemas.microsoft.com/office/drawing/2014/main" id="{BAF9471C-E48D-4E21-A158-7C35C182BC0E}"/>
+              </a:ext>
+            </a:extLst>
+          </p:cNvPr>
+          <p:cNvSpPr>
+            <a:spLocks noGrp="1"/>
+          </p:cNvSpPr>
+          <p:nvPr>
+            <p:ph type="ftr" sz="quarter" idx="11"/>
+          </p:nvPr>
+        </p:nvSpPr>
+        <p:spPr/>
+        <p:txBody>
+          <a:bodyPr/>
+          <a:lstStyle/>
+          <a:p>
+            <a:r>
+              <a:rPr lang="de-DE" dirty="0"/>
+              <a:t>HOW</a:t>
+            </a:r>
+          </a:p>
+        </p:txBody>
+      </p:sp>
+      <p:sp>
+        <p:nvSpPr>
+          <p:cNvPr id="6" name="Foliennummernplatzhalter 5">
+            <a:extLst>
+              <a:ext uri="{FF2B5EF4-FFF2-40B4-BE49-F238E27FC236}">
+                <a16:creationId xmlns:a16="http://schemas.microsoft.com/office/drawing/2014/main" id="{4E9FA3DA-7A86-497B-9B2D-442B55C57988}"/>
+              </a:ext>
+            </a:extLst>
+          </p:cNvPr>
+          <p:cNvSpPr>
+            <a:spLocks noGrp="1"/>
+          </p:cNvSpPr>
+          <p:nvPr>
+            <p:ph type="sldNum" sz="quarter" idx="12"/>
+          </p:nvPr>
+        </p:nvSpPr>
+        <p:spPr/>
+        <p:txBody>
+          <a:bodyPr/>
+          <a:lstStyle/>
+          <a:p>
+            <a:fld id="{A1619061-48AD-4540-8BAC-2E2ACF1ABA55}" type="slidenum">
+              <a:rPr lang="de-DE" smtClean="0"/>
+              <a:t>5</a:t>
+            </a:fld>
+            <a:endParaRPr lang="de-DE"/>
+          </a:p>
+        </p:txBody>
+      </p:sp>
+      <p:sp>
+        <p:nvSpPr>
+          <p:cNvPr id="19" name="Rechteck: abgerundete Ecken 18">
+            <a:extLst>
+              <a:ext uri="{FF2B5EF4-FFF2-40B4-BE49-F238E27FC236}">
+                <a16:creationId xmlns:a16="http://schemas.microsoft.com/office/drawing/2014/main" id="{2DB69214-B867-40B6-9AAF-B3DD1EE85EBF}"/>
+              </a:ext>
+            </a:extLst>
+          </p:cNvPr>
+          <p:cNvSpPr/>
+          <p:nvPr/>
+        </p:nvSpPr>
+        <p:spPr>
+          <a:xfrm>
+            <a:off x="7154818" y="3740974"/>
+            <a:ext cx="1724521" cy="353950"/>
+          </a:xfrm>
+          <a:prstGeom prst="roundRect">
+            <a:avLst/>
+          </a:prstGeom>
+          <a:noFill/>
+          <a:ln>
+            <a:solidFill>
+              <a:schemeClr val="bg1">
+                <a:lumMod val="65000"/>
+              </a:schemeClr>
+            </a:solidFill>
+          </a:ln>
+        </p:spPr>
+        <p:style>
+          <a:lnRef idx="2">
+            <a:schemeClr val="accent1">
+              <a:shade val="50000"/>
+            </a:schemeClr>
+          </a:lnRef>
+          <a:fillRef idx="1">
+            <a:schemeClr val="accent1"/>
+          </a:fillRef>
+          <a:effectRef idx="0">
+            <a:schemeClr val="accent1"/>
+          </a:effectRef>
+          <a:fontRef idx="minor">
+            <a:schemeClr val="lt1"/>
+          </a:fontRef>
+        </p:style>
+        <p:txBody>
+          <a:bodyPr rtlCol="0" anchor="ctr"/>
+          <a:lstStyle/>
+          <a:p>
+            <a:pPr algn="ctr"/>
+            <a:r>
+              <a:rPr lang="en-US" dirty="0">
+                <a:solidFill>
+                  <a:schemeClr val="bg1">
+                    <a:lumMod val="65000"/>
+                  </a:schemeClr>
+                </a:solidFill>
+              </a:rPr>
+              <a:t>Unique user ID</a:t>
+            </a:r>
+          </a:p>
+        </p:txBody>
+      </p:sp>
+      <p:sp>
+        <p:nvSpPr>
+          <p:cNvPr id="20" name="Rechteck: abgerundete Ecken 19">
+            <a:extLst>
+              <a:ext uri="{FF2B5EF4-FFF2-40B4-BE49-F238E27FC236}">
+                <a16:creationId xmlns:a16="http://schemas.microsoft.com/office/drawing/2014/main" id="{2C6061F6-501A-408E-8228-C82F35EB2E91}"/>
+              </a:ext>
+            </a:extLst>
+          </p:cNvPr>
+          <p:cNvSpPr/>
+          <p:nvPr/>
+        </p:nvSpPr>
+        <p:spPr>
+          <a:xfrm>
+            <a:off x="7339450" y="4690125"/>
+            <a:ext cx="1355255" cy="365126"/>
+          </a:xfrm>
+          <a:prstGeom prst="roundRect">
+            <a:avLst/>
+          </a:prstGeom>
+          <a:noFill/>
+          <a:ln>
+            <a:solidFill>
+              <a:schemeClr val="bg1">
+                <a:lumMod val="65000"/>
+              </a:schemeClr>
+            </a:solidFill>
+          </a:ln>
+        </p:spPr>
+        <p:style>
+          <a:lnRef idx="2">
+            <a:schemeClr val="accent1">
+              <a:shade val="50000"/>
+            </a:schemeClr>
+          </a:lnRef>
+          <a:fillRef idx="1">
+            <a:schemeClr val="accent1"/>
+          </a:fillRef>
+          <a:effectRef idx="0">
+            <a:schemeClr val="accent1"/>
+          </a:effectRef>
+          <a:fontRef idx="minor">
+            <a:schemeClr val="lt1"/>
+          </a:fontRef>
+        </p:style>
+        <p:txBody>
+          <a:bodyPr rtlCol="0" anchor="ctr"/>
+          <a:lstStyle/>
+          <a:p>
+            <a:pPr algn="ctr"/>
+            <a:r>
+              <a:rPr lang="en-US" dirty="0">
+                <a:solidFill>
+                  <a:schemeClr val="bg1">
+                    <a:lumMod val="65000"/>
+                  </a:schemeClr>
+                </a:solidFill>
+              </a:rPr>
+              <a:t>Timestamp</a:t>
+            </a:r>
+          </a:p>
+        </p:txBody>
+      </p:sp>
+      <p:sp>
+        <p:nvSpPr>
+          <p:cNvPr id="21" name="Rechteck: abgerundete Ecken 20">
+            <a:extLst>
+              <a:ext uri="{FF2B5EF4-FFF2-40B4-BE49-F238E27FC236}">
+                <a16:creationId xmlns:a16="http://schemas.microsoft.com/office/drawing/2014/main" id="{A92E031D-3D6B-496B-AD89-63A7B59CA6A1}"/>
+              </a:ext>
+            </a:extLst>
+          </p:cNvPr>
+          <p:cNvSpPr/>
+          <p:nvPr/>
+        </p:nvSpPr>
+        <p:spPr>
+          <a:xfrm>
+            <a:off x="7339450" y="4224556"/>
+            <a:ext cx="1355255" cy="365126"/>
+          </a:xfrm>
+          <a:prstGeom prst="roundRect">
+            <a:avLst/>
+          </a:prstGeom>
+          <a:noFill/>
+          <a:ln>
+            <a:solidFill>
+              <a:schemeClr val="bg1">
+                <a:lumMod val="65000"/>
+              </a:schemeClr>
+            </a:solidFill>
+          </a:ln>
+        </p:spPr>
+        <p:style>
+          <a:lnRef idx="2">
+            <a:schemeClr val="accent1">
+              <a:shade val="50000"/>
+            </a:schemeClr>
+          </a:lnRef>
+          <a:fillRef idx="1">
+            <a:schemeClr val="accent1"/>
+          </a:fillRef>
+          <a:effectRef idx="0">
+            <a:schemeClr val="accent1"/>
+          </a:effectRef>
+          <a:fontRef idx="minor">
+            <a:schemeClr val="lt1"/>
+          </a:fontRef>
+        </p:style>
+        <p:txBody>
+          <a:bodyPr rtlCol="0" anchor="ctr"/>
+          <a:lstStyle/>
+          <a:p>
+            <a:pPr algn="ctr"/>
+            <a:r>
+              <a:rPr lang="en-US" dirty="0">
+                <a:solidFill>
+                  <a:schemeClr val="bg1">
+                    <a:lumMod val="65000"/>
+                  </a:schemeClr>
+                </a:solidFill>
+              </a:rPr>
+              <a:t>Location ID</a:t>
+            </a:r>
+          </a:p>
+        </p:txBody>
+      </p:sp>
+      <p:pic>
+        <p:nvPicPr>
+          <p:cNvPr id="13" name="Grafik 12" descr="Benutzer">
+            <a:extLst>
+              <a:ext uri="{FF2B5EF4-FFF2-40B4-BE49-F238E27FC236}">
+                <a16:creationId xmlns:a16="http://schemas.microsoft.com/office/drawing/2014/main" id="{906A74F4-FB42-4F31-B215-B3F7D597D730}"/>
+              </a:ext>
+            </a:extLst>
+          </p:cNvPr>
+          <p:cNvPicPr>
+            <a:picLocks noChangeAspect="1"/>
+          </p:cNvPicPr>
+          <p:nvPr/>
+        </p:nvPicPr>
+        <p:blipFill>
+          <a:blip r:embed="rId2">
+            <a:extLst>
+              <a:ext uri="{28A0092B-C50C-407E-A947-70E740481C1C}">
+                <a14:useLocalDpi xmlns:a14="http://schemas.microsoft.com/office/drawing/2010/main" val="0"/>
+              </a:ext>
+              <a:ext uri="{96DAC541-7B7A-43D3-8B79-37D633B846F1}">
+                <asvg:svgBlip xmlns:asvg="http://schemas.microsoft.com/office/drawing/2016/SVG/main" r:embed="rId3"/>
+              </a:ext>
+            </a:extLst>
+          </a:blip>
+          <a:stretch>
+            <a:fillRect/>
+          </a:stretch>
+        </p:blipFill>
+        <p:spPr>
+          <a:xfrm>
+            <a:off x="3195164" y="2685448"/>
+            <a:ext cx="914400" cy="914400"/>
+          </a:xfrm>
+          <a:prstGeom prst="rect">
+            <a:avLst/>
+          </a:prstGeom>
+        </p:spPr>
+      </p:pic>
+      <p:pic>
+        <p:nvPicPr>
+          <p:cNvPr id="16" name="Grafik 15" descr="Datenbank">
+            <a:extLst>
+              <a:ext uri="{FF2B5EF4-FFF2-40B4-BE49-F238E27FC236}">
+                <a16:creationId xmlns:a16="http://schemas.microsoft.com/office/drawing/2014/main" id="{1BC2A6DB-A34D-41FC-A443-85A1DCDDDF7D}"/>
+              </a:ext>
+            </a:extLst>
+          </p:cNvPr>
+          <p:cNvPicPr>
+            <a:picLocks noChangeAspect="1"/>
+          </p:cNvPicPr>
+          <p:nvPr/>
+        </p:nvPicPr>
+        <p:blipFill>
+          <a:blip r:embed="rId4">
+            <a:extLst>
+              <a:ext uri="{28A0092B-C50C-407E-A947-70E740481C1C}">
+                <a14:useLocalDpi xmlns:a14="http://schemas.microsoft.com/office/drawing/2010/main" val="0"/>
+              </a:ext>
+              <a:ext uri="{96DAC541-7B7A-43D3-8B79-37D633B846F1}">
+                <asvg:svgBlip xmlns:asvg="http://schemas.microsoft.com/office/drawing/2016/SVG/main" r:embed="rId5"/>
+              </a:ext>
+            </a:extLst>
+          </a:blip>
+          <a:stretch>
+            <a:fillRect/>
+          </a:stretch>
+        </p:blipFill>
+        <p:spPr>
+          <a:xfrm>
+            <a:off x="7559879" y="2650139"/>
+            <a:ext cx="914400" cy="914400"/>
+          </a:xfrm>
+          <a:prstGeom prst="rect">
+            <a:avLst/>
+          </a:prstGeom>
+        </p:spPr>
+      </p:pic>
+      <p:sp>
+        <p:nvSpPr>
+          <p:cNvPr id="24" name="Rechteck: abgerundete Ecken 23">
+            <a:extLst>
+              <a:ext uri="{FF2B5EF4-FFF2-40B4-BE49-F238E27FC236}">
+                <a16:creationId xmlns:a16="http://schemas.microsoft.com/office/drawing/2014/main" id="{8C3CF55B-342D-42CC-860F-211779076338}"/>
+              </a:ext>
+            </a:extLst>
+          </p:cNvPr>
+          <p:cNvSpPr/>
+          <p:nvPr/>
+        </p:nvSpPr>
+        <p:spPr>
+          <a:xfrm>
+            <a:off x="2790103" y="3740974"/>
+            <a:ext cx="1724521" cy="353950"/>
+          </a:xfrm>
+          <a:prstGeom prst="roundRect">
+            <a:avLst/>
+          </a:prstGeom>
+          <a:noFill/>
+          <a:ln>
+            <a:solidFill>
+              <a:schemeClr val="bg1">
+                <a:lumMod val="65000"/>
+              </a:schemeClr>
+            </a:solidFill>
+          </a:ln>
+        </p:spPr>
+        <p:style>
+          <a:lnRef idx="2">
+            <a:schemeClr val="accent1">
+              <a:shade val="50000"/>
+            </a:schemeClr>
+          </a:lnRef>
+          <a:fillRef idx="1">
+            <a:schemeClr val="accent1"/>
+          </a:fillRef>
+          <a:effectRef idx="0">
+            <a:schemeClr val="accent1"/>
+          </a:effectRef>
+          <a:fontRef idx="minor">
+            <a:schemeClr val="lt1"/>
+          </a:fontRef>
+        </p:style>
+        <p:txBody>
+          <a:bodyPr rtlCol="0" anchor="ctr"/>
+          <a:lstStyle/>
+          <a:p>
+            <a:pPr algn="ctr"/>
+            <a:r>
+              <a:rPr lang="en-US" dirty="0">
+                <a:solidFill>
+                  <a:schemeClr val="bg1">
+                    <a:lumMod val="65000"/>
+                  </a:schemeClr>
+                </a:solidFill>
+              </a:rPr>
+              <a:t>Unique user ID</a:t>
+            </a:r>
+          </a:p>
+        </p:txBody>
+      </p:sp>
+    </p:spTree>
+    <p:extLst>
+      <p:ext uri="{BB962C8B-B14F-4D97-AF65-F5344CB8AC3E}">
+        <p14:creationId xmlns:p14="http://schemas.microsoft.com/office/powerpoint/2010/main" val="845591042"/>
+      </p:ext>
+    </p:extLst>
+  </p:cSld>
+  <p:clrMapOvr>
+    <a:masterClrMapping/>
+  </p:clrMapOvr>
+</p:sld>
+</file>
+
+<file path=ppt/slides/slide6.xml><?xml version="1.0" encoding="utf-8"?>
+<p:sld xmlns:a="http://schemas.openxmlformats.org/drawingml/2006/main" xmlns:r="http://schemas.openxmlformats.org/officeDocument/2006/relationships" xmlns:p="http://schemas.openxmlformats.org/presentationml/2006/main">
+  <p:cSld>
+    <p:spTree>
+      <p:nvGrpSpPr>
+        <p:cNvPr id="1" name=""/>
+        <p:cNvGrpSpPr/>
+        <p:nvPr/>
+      </p:nvGrpSpPr>
+      <p:grpSpPr>
+        <a:xfrm>
+          <a:off x="0" y="0"/>
+          <a:ext cx="0" cy="0"/>
+          <a:chOff x="0" y="0"/>
+          <a:chExt cx="0" cy="0"/>
+        </a:xfrm>
+      </p:grpSpPr>
+      <p:sp>
+        <p:nvSpPr>
+          <p:cNvPr id="2" name="Titel 1">
+            <a:extLst>
+              <a:ext uri="{FF2B5EF4-FFF2-40B4-BE49-F238E27FC236}">
+                <a16:creationId xmlns:a16="http://schemas.microsoft.com/office/drawing/2014/main" id="{326583CF-61E1-40B7-8DC5-42AA7EC29523}"/>
+              </a:ext>
+            </a:extLst>
+          </p:cNvPr>
+          <p:cNvSpPr>
+            <a:spLocks noGrp="1"/>
+          </p:cNvSpPr>
+          <p:nvPr>
+            <p:ph type="title"/>
+          </p:nvPr>
+        </p:nvSpPr>
+        <p:spPr/>
+        <p:txBody>
+          <a:bodyPr/>
+          <a:lstStyle/>
+          <a:p>
+            <a:r>
+              <a:rPr lang="de-DE" dirty="0">
+                <a:solidFill>
+                  <a:srgbClr val="80CDEC"/>
+                </a:solidFill>
+              </a:rPr>
+              <a:t>System – Report Case</a:t>
+            </a:r>
+          </a:p>
+        </p:txBody>
+      </p:sp>
+      <p:sp>
+        <p:nvSpPr>
+          <p:cNvPr id="5" name="Fußzeilenplatzhalter 4">
+            <a:extLst>
+              <a:ext uri="{FF2B5EF4-FFF2-40B4-BE49-F238E27FC236}">
+                <a16:creationId xmlns:a16="http://schemas.microsoft.com/office/drawing/2014/main" id="{BAF9471C-E48D-4E21-A158-7C35C182BC0E}"/>
+              </a:ext>
+            </a:extLst>
+          </p:cNvPr>
+          <p:cNvSpPr>
+            <a:spLocks noGrp="1"/>
+          </p:cNvSpPr>
+          <p:nvPr>
+            <p:ph type="ftr" sz="quarter" idx="11"/>
+          </p:nvPr>
+        </p:nvSpPr>
+        <p:spPr/>
+        <p:txBody>
+          <a:bodyPr/>
+          <a:lstStyle/>
+          <a:p>
+            <a:r>
+              <a:rPr lang="de-DE" dirty="0"/>
+              <a:t>HOW</a:t>
+            </a:r>
+          </a:p>
+        </p:txBody>
+      </p:sp>
+      <p:sp>
+        <p:nvSpPr>
+          <p:cNvPr id="6" name="Foliennummernplatzhalter 5">
+            <a:extLst>
+              <a:ext uri="{FF2B5EF4-FFF2-40B4-BE49-F238E27FC236}">
+                <a16:creationId xmlns:a16="http://schemas.microsoft.com/office/drawing/2014/main" id="{4E9FA3DA-7A86-497B-9B2D-442B55C57988}"/>
+              </a:ext>
+            </a:extLst>
+          </p:cNvPr>
+          <p:cNvSpPr>
+            <a:spLocks noGrp="1"/>
+          </p:cNvSpPr>
+          <p:nvPr>
+            <p:ph type="sldNum" sz="quarter" idx="12"/>
+          </p:nvPr>
+        </p:nvSpPr>
+        <p:spPr/>
+        <p:txBody>
+          <a:bodyPr/>
+          <a:lstStyle/>
+          <a:p>
+            <a:fld id="{A1619061-48AD-4540-8BAC-2E2ACF1ABA55}" type="slidenum">
+              <a:rPr lang="de-DE" smtClean="0"/>
+              <a:t>6</a:t>
+            </a:fld>
+            <a:endParaRPr lang="de-DE"/>
+          </a:p>
+        </p:txBody>
+      </p:sp>
+      <p:grpSp>
+        <p:nvGrpSpPr>
+          <p:cNvPr id="43" name="Gruppieren 42">
+            <a:extLst>
+              <a:ext uri="{FF2B5EF4-FFF2-40B4-BE49-F238E27FC236}">
+                <a16:creationId xmlns:a16="http://schemas.microsoft.com/office/drawing/2014/main" id="{E235741A-5844-4D1D-9A0F-1AA8FA921AFE}"/>
+              </a:ext>
+            </a:extLst>
+          </p:cNvPr>
+          <p:cNvGrpSpPr/>
+          <p:nvPr/>
+        </p:nvGrpSpPr>
+        <p:grpSpPr>
+          <a:xfrm>
+            <a:off x="2404453" y="1819576"/>
+            <a:ext cx="8041462" cy="3218848"/>
+            <a:chOff x="2075269" y="1672840"/>
+            <a:chExt cx="8041462" cy="3218848"/>
+          </a:xfrm>
+        </p:grpSpPr>
+        <p:sp>
+          <p:nvSpPr>
+            <p:cNvPr id="19" name="Rechteck: abgerundete Ecken 18">
+              <a:extLst>
+                <a:ext uri="{FF2B5EF4-FFF2-40B4-BE49-F238E27FC236}">
+                  <a16:creationId xmlns:a16="http://schemas.microsoft.com/office/drawing/2014/main" id="{2DB69214-B867-40B6-9AAF-B3DD1EE85EBF}"/>
+                </a:ext>
+              </a:extLst>
+            </p:cNvPr>
+            <p:cNvSpPr/>
+            <p:nvPr/>
+          </p:nvSpPr>
+          <p:spPr>
+            <a:xfrm>
+              <a:off x="2700851" y="4032661"/>
+              <a:ext cx="1669981" cy="353950"/>
+            </a:xfrm>
+            <a:prstGeom prst="roundRect">
+              <a:avLst/>
+            </a:prstGeom>
+            <a:noFill/>
+            <a:ln>
+              <a:solidFill>
+                <a:schemeClr val="bg1">
+                  <a:lumMod val="65000"/>
+                </a:schemeClr>
+              </a:solidFill>
+            </a:ln>
+          </p:spPr>
+          <p:style>
+            <a:lnRef idx="2">
+              <a:schemeClr val="accent1">
+                <a:shade val="50000"/>
+              </a:schemeClr>
+            </a:lnRef>
+            <a:fillRef idx="1">
+              <a:schemeClr val="accent1"/>
+            </a:fillRef>
+            <a:effectRef idx="0">
+              <a:schemeClr val="accent1"/>
+            </a:effectRef>
+            <a:fontRef idx="minor">
+              <a:schemeClr val="lt1"/>
+            </a:fontRef>
+          </p:style>
+          <p:txBody>
+            <a:bodyPr rtlCol="0" anchor="ctr"/>
+            <a:lstStyle/>
+            <a:p>
+              <a:pPr algn="ctr"/>
+              <a:r>
+                <a:rPr lang="en-US" dirty="0">
+                  <a:solidFill>
+                    <a:schemeClr val="bg1">
+                      <a:lumMod val="65000"/>
+                    </a:schemeClr>
+                  </a:solidFill>
+                </a:rPr>
+                <a:t>Unique user ID</a:t>
+              </a:r>
+            </a:p>
+          </p:txBody>
+        </p:sp>
+        <p:sp>
+          <p:nvSpPr>
+            <p:cNvPr id="20" name="Rechteck: abgerundete Ecken 19">
+              <a:extLst>
+                <a:ext uri="{FF2B5EF4-FFF2-40B4-BE49-F238E27FC236}">
+                  <a16:creationId xmlns:a16="http://schemas.microsoft.com/office/drawing/2014/main" id="{2C6061F6-501A-408E-8228-C82F35EB2E91}"/>
+                </a:ext>
+              </a:extLst>
+            </p:cNvPr>
+            <p:cNvSpPr/>
+            <p:nvPr/>
+          </p:nvSpPr>
+          <p:spPr>
+            <a:xfrm>
+              <a:off x="5337955" y="4526562"/>
+              <a:ext cx="1355255" cy="365126"/>
+            </a:xfrm>
+            <a:prstGeom prst="roundRect">
+              <a:avLst/>
+            </a:prstGeom>
+            <a:noFill/>
+            <a:ln>
+              <a:solidFill>
+                <a:schemeClr val="bg1">
+                  <a:lumMod val="65000"/>
+                </a:schemeClr>
+              </a:solidFill>
+            </a:ln>
+          </p:spPr>
+          <p:style>
+            <a:lnRef idx="2">
+              <a:schemeClr val="accent1">
+                <a:shade val="50000"/>
+              </a:schemeClr>
+            </a:lnRef>
+            <a:fillRef idx="1">
+              <a:schemeClr val="accent1"/>
+            </a:fillRef>
+            <a:effectRef idx="0">
+              <a:schemeClr val="accent1"/>
+            </a:effectRef>
+            <a:fontRef idx="minor">
+              <a:schemeClr val="lt1"/>
+            </a:fontRef>
+          </p:style>
+          <p:txBody>
+            <a:bodyPr rtlCol="0" anchor="ctr"/>
+            <a:lstStyle/>
+            <a:p>
+              <a:pPr algn="ctr"/>
+              <a:r>
+                <a:rPr lang="en-US" dirty="0">
+                  <a:solidFill>
+                    <a:schemeClr val="bg1">
+                      <a:lumMod val="65000"/>
+                    </a:schemeClr>
+                  </a:solidFill>
+                </a:rPr>
+                <a:t>Timestamp</a:t>
+              </a:r>
+            </a:p>
+          </p:txBody>
+        </p:sp>
+        <p:sp>
+          <p:nvSpPr>
+            <p:cNvPr id="21" name="Rechteck: abgerundete Ecken 20">
+              <a:extLst>
+                <a:ext uri="{FF2B5EF4-FFF2-40B4-BE49-F238E27FC236}">
+                  <a16:creationId xmlns:a16="http://schemas.microsoft.com/office/drawing/2014/main" id="{A92E031D-3D6B-496B-AD89-63A7B59CA6A1}"/>
+                </a:ext>
+              </a:extLst>
+            </p:cNvPr>
+            <p:cNvSpPr/>
+            <p:nvPr/>
+          </p:nvSpPr>
+          <p:spPr>
+            <a:xfrm>
+              <a:off x="5337956" y="4060192"/>
+              <a:ext cx="1355255" cy="365126"/>
+            </a:xfrm>
+            <a:prstGeom prst="roundRect">
+              <a:avLst/>
+            </a:prstGeom>
+            <a:noFill/>
+            <a:ln>
+              <a:solidFill>
+                <a:schemeClr val="bg1">
+                  <a:lumMod val="65000"/>
+                </a:schemeClr>
+              </a:solidFill>
+            </a:ln>
+          </p:spPr>
+          <p:style>
+            <a:lnRef idx="2">
+              <a:schemeClr val="accent1">
+                <a:shade val="50000"/>
+              </a:schemeClr>
+            </a:lnRef>
+            <a:fillRef idx="1">
+              <a:schemeClr val="accent1"/>
+            </a:fillRef>
+            <a:effectRef idx="0">
+              <a:schemeClr val="accent1"/>
+            </a:effectRef>
+            <a:fontRef idx="minor">
+              <a:schemeClr val="lt1"/>
+            </a:fontRef>
+          </p:style>
+          <p:txBody>
+            <a:bodyPr rtlCol="0" anchor="ctr"/>
+            <a:lstStyle/>
+            <a:p>
+              <a:pPr algn="ctr"/>
+              <a:r>
+                <a:rPr lang="en-US" dirty="0">
+                  <a:solidFill>
+                    <a:schemeClr val="bg1">
+                      <a:lumMod val="65000"/>
+                    </a:schemeClr>
+                  </a:solidFill>
+                </a:rPr>
+                <a:t>Location ID</a:t>
+              </a:r>
+            </a:p>
+          </p:txBody>
+        </p:sp>
+        <p:pic>
+          <p:nvPicPr>
+            <p:cNvPr id="22" name="Grafik 21" descr="Smartphone">
+              <a:extLst>
+                <a:ext uri="{FF2B5EF4-FFF2-40B4-BE49-F238E27FC236}">
+                  <a16:creationId xmlns:a16="http://schemas.microsoft.com/office/drawing/2014/main" id="{C1A9D746-5F0E-4300-BE6C-2000C2519EF0}"/>
+                </a:ext>
+              </a:extLst>
+            </p:cNvPr>
+            <p:cNvPicPr>
+              <a:picLocks noChangeAspect="1"/>
+            </p:cNvPicPr>
+            <p:nvPr/>
+          </p:nvPicPr>
+          <p:blipFill>
+            <a:blip r:embed="rId2">
+              <a:extLst>
+                <a:ext uri="{28A0092B-C50C-407E-A947-70E740481C1C}">
+                  <a14:useLocalDpi xmlns:a14="http://schemas.microsoft.com/office/drawing/2010/main" val="0"/>
+                </a:ext>
+                <a:ext uri="{96DAC541-7B7A-43D3-8B79-37D633B846F1}">
+                  <asvg:svgBlip xmlns:asvg="http://schemas.microsoft.com/office/drawing/2016/SVG/main" r:embed="rId3"/>
+                </a:ext>
+              </a:extLst>
+            </a:blip>
+            <a:stretch>
+              <a:fillRect/>
+            </a:stretch>
+          </p:blipFill>
+          <p:spPr>
+            <a:xfrm>
+              <a:off x="3737724" y="2948055"/>
+              <a:ext cx="914400" cy="914400"/>
+            </a:xfrm>
+            <a:prstGeom prst="rect">
+              <a:avLst/>
+            </a:prstGeom>
+          </p:spPr>
+        </p:pic>
+        <p:pic>
+          <p:nvPicPr>
+            <p:cNvPr id="13" name="Grafik 12" descr="Benutzer">
+              <a:extLst>
+                <a:ext uri="{FF2B5EF4-FFF2-40B4-BE49-F238E27FC236}">
+                  <a16:creationId xmlns:a16="http://schemas.microsoft.com/office/drawing/2014/main" id="{906A74F4-FB42-4F31-B215-B3F7D597D730}"/>
+                </a:ext>
+              </a:extLst>
+            </p:cNvPr>
+            <p:cNvPicPr>
+              <a:picLocks noChangeAspect="1"/>
+            </p:cNvPicPr>
+            <p:nvPr/>
+          </p:nvPicPr>
+          <p:blipFill>
+            <a:blip r:embed="rId4">
+              <a:extLst>
+                <a:ext uri="{28A0092B-C50C-407E-A947-70E740481C1C}">
+                  <a14:useLocalDpi xmlns:a14="http://schemas.microsoft.com/office/drawing/2010/main" val="0"/>
+                </a:ext>
+                <a:ext uri="{96DAC541-7B7A-43D3-8B79-37D633B846F1}">
+                  <asvg:svgBlip xmlns:asvg="http://schemas.microsoft.com/office/drawing/2016/SVG/main" r:embed="rId5"/>
+                </a:ext>
+              </a:extLst>
+            </a:blip>
+            <a:stretch>
+              <a:fillRect/>
+            </a:stretch>
+          </p:blipFill>
+          <p:spPr>
+            <a:xfrm>
+              <a:off x="2075269" y="2923773"/>
+              <a:ext cx="914400" cy="914400"/>
+            </a:xfrm>
+            <a:prstGeom prst="rect">
+              <a:avLst/>
+            </a:prstGeom>
+          </p:spPr>
+        </p:pic>
+        <p:pic>
+          <p:nvPicPr>
+            <p:cNvPr id="15" name="Grafik 14" descr="Server">
+              <a:extLst>
+                <a:ext uri="{FF2B5EF4-FFF2-40B4-BE49-F238E27FC236}">
+                  <a16:creationId xmlns:a16="http://schemas.microsoft.com/office/drawing/2014/main" id="{A73995C3-CA1E-4163-9072-323FE172013C}"/>
+                </a:ext>
+              </a:extLst>
+            </p:cNvPr>
+            <p:cNvPicPr>
+              <a:picLocks noChangeAspect="1"/>
+            </p:cNvPicPr>
+            <p:nvPr/>
+          </p:nvPicPr>
+          <p:blipFill>
+            <a:blip r:embed="rId6">
+              <a:extLst>
+                <a:ext uri="{28A0092B-C50C-407E-A947-70E740481C1C}">
+                  <a14:useLocalDpi xmlns:a14="http://schemas.microsoft.com/office/drawing/2010/main" val="0"/>
+                </a:ext>
+                <a:ext uri="{96DAC541-7B7A-43D3-8B79-37D633B846F1}">
+                  <asvg:svgBlip xmlns:asvg="http://schemas.microsoft.com/office/drawing/2016/SVG/main" r:embed="rId7"/>
+                </a:ext>
+              </a:extLst>
+            </a:blip>
+            <a:stretch>
+              <a:fillRect/>
+            </a:stretch>
+          </p:blipFill>
+          <p:spPr>
+            <a:xfrm>
+              <a:off x="5482475" y="2961697"/>
+              <a:ext cx="914400" cy="914400"/>
+            </a:xfrm>
+            <a:prstGeom prst="rect">
+              <a:avLst/>
+            </a:prstGeom>
+          </p:spPr>
+        </p:pic>
+        <p:pic>
+          <p:nvPicPr>
+            <p:cNvPr id="16" name="Grafik 15" descr="Datenbank">
+              <a:extLst>
+                <a:ext uri="{FF2B5EF4-FFF2-40B4-BE49-F238E27FC236}">
+                  <a16:creationId xmlns:a16="http://schemas.microsoft.com/office/drawing/2014/main" id="{1BC2A6DB-A34D-41FC-A443-85A1DCDDDF7D}"/>
+                </a:ext>
+              </a:extLst>
+            </p:cNvPr>
+            <p:cNvPicPr>
+              <a:picLocks noChangeAspect="1"/>
+            </p:cNvPicPr>
+            <p:nvPr/>
+          </p:nvPicPr>
+          <p:blipFill>
+            <a:blip r:embed="rId8">
+              <a:extLst>
+                <a:ext uri="{28A0092B-C50C-407E-A947-70E740481C1C}">
+                  <a14:useLocalDpi xmlns:a14="http://schemas.microsoft.com/office/drawing/2010/main" val="0"/>
+                </a:ext>
+                <a:ext uri="{96DAC541-7B7A-43D3-8B79-37D633B846F1}">
+                  <asvg:svgBlip xmlns:asvg="http://schemas.microsoft.com/office/drawing/2016/SVG/main" r:embed="rId9"/>
+                </a:ext>
+              </a:extLst>
+            </a:blip>
+            <a:stretch>
+              <a:fillRect/>
+            </a:stretch>
+          </p:blipFill>
+          <p:spPr>
+            <a:xfrm>
+              <a:off x="7429290" y="2961697"/>
+              <a:ext cx="914400" cy="914400"/>
+            </a:xfrm>
+            <a:prstGeom prst="rect">
+              <a:avLst/>
+            </a:prstGeom>
+          </p:spPr>
+        </p:pic>
+        <p:cxnSp>
+          <p:nvCxnSpPr>
+            <p:cNvPr id="11" name="Gerade Verbindung mit Pfeil 10">
+              <a:extLst>
+                <a:ext uri="{FF2B5EF4-FFF2-40B4-BE49-F238E27FC236}">
+                  <a16:creationId xmlns:a16="http://schemas.microsoft.com/office/drawing/2014/main" id="{5D2C0242-F683-4D5E-885A-53A8EBE88344}"/>
+                </a:ext>
+              </a:extLst>
+            </p:cNvPr>
+            <p:cNvCxnSpPr/>
+            <p:nvPr/>
+          </p:nvCxnSpPr>
+          <p:spPr>
+            <a:xfrm>
+              <a:off x="4578972" y="3382377"/>
+              <a:ext cx="832104" cy="0"/>
+            </a:xfrm>
+            <a:prstGeom prst="straightConnector1">
+              <a:avLst/>
+            </a:prstGeom>
+            <a:ln>
+              <a:solidFill>
+                <a:schemeClr val="bg1">
+                  <a:lumMod val="65000"/>
+                </a:schemeClr>
+              </a:solidFill>
+              <a:tailEnd type="triangle"/>
+            </a:ln>
+          </p:spPr>
+          <p:style>
+            <a:lnRef idx="1">
+              <a:schemeClr val="dk1"/>
+            </a:lnRef>
+            <a:fillRef idx="0">
+              <a:schemeClr val="dk1"/>
+            </a:fillRef>
+            <a:effectRef idx="0">
+              <a:schemeClr val="dk1"/>
+            </a:effectRef>
+            <a:fontRef idx="minor">
+              <a:schemeClr val="tx1"/>
+            </a:fontRef>
+          </p:style>
+        </p:cxnSp>
+        <p:cxnSp>
+          <p:nvCxnSpPr>
+            <p:cNvPr id="23" name="Verbinder: gewinkelt 22">
+              <a:extLst>
+                <a:ext uri="{FF2B5EF4-FFF2-40B4-BE49-F238E27FC236}">
+                  <a16:creationId xmlns:a16="http://schemas.microsoft.com/office/drawing/2014/main" id="{4DEBED58-DB1A-442E-A0DB-756EFA0817CD}"/>
+                </a:ext>
+              </a:extLst>
+            </p:cNvPr>
+            <p:cNvCxnSpPr>
+              <a:cxnSpLocks/>
+              <a:stCxn id="16" idx="0"/>
+            </p:cNvCxnSpPr>
+            <p:nvPr/>
+          </p:nvCxnSpPr>
+          <p:spPr>
+            <a:xfrm rot="5400000" flipH="1" flipV="1">
+              <a:off x="7630939" y="2706144"/>
+              <a:ext cx="511105" cy="3"/>
+            </a:xfrm>
+            <a:prstGeom prst="bentConnector3">
+              <a:avLst>
+                <a:gd name="adj1" fmla="val 50000"/>
+              </a:avLst>
+            </a:prstGeom>
+            <a:ln>
+              <a:solidFill>
+                <a:schemeClr val="bg1">
+                  <a:lumMod val="65000"/>
+                </a:schemeClr>
+              </a:solidFill>
+              <a:tailEnd type="triangle"/>
+            </a:ln>
+          </p:spPr>
+          <p:style>
+            <a:lnRef idx="1">
+              <a:schemeClr val="accent1"/>
+            </a:lnRef>
+            <a:fillRef idx="0">
+              <a:schemeClr val="accent1"/>
+            </a:fillRef>
+            <a:effectRef idx="0">
+              <a:schemeClr val="accent1"/>
+            </a:effectRef>
+            <a:fontRef idx="minor">
+              <a:schemeClr val="tx1"/>
+            </a:fontRef>
+          </p:style>
+        </p:cxnSp>
+        <p:cxnSp>
+          <p:nvCxnSpPr>
+            <p:cNvPr id="29" name="Gerade Verbindung mit Pfeil 28">
+              <a:extLst>
+                <a:ext uri="{FF2B5EF4-FFF2-40B4-BE49-F238E27FC236}">
+                  <a16:creationId xmlns:a16="http://schemas.microsoft.com/office/drawing/2014/main" id="{807F51EE-216A-4E51-96CD-0C4A7660E650}"/>
+                </a:ext>
+              </a:extLst>
+            </p:cNvPr>
+            <p:cNvCxnSpPr>
+              <a:cxnSpLocks/>
+              <a:stCxn id="13" idx="3"/>
+            </p:cNvCxnSpPr>
+            <p:nvPr/>
+          </p:nvCxnSpPr>
+          <p:spPr>
+            <a:xfrm flipV="1">
+              <a:off x="2989669" y="3374083"/>
+              <a:ext cx="832104" cy="6890"/>
+            </a:xfrm>
+            <a:prstGeom prst="straightConnector1">
+              <a:avLst/>
+            </a:prstGeom>
+            <a:ln>
+              <a:solidFill>
+                <a:schemeClr val="bg1">
+                  <a:lumMod val="65000"/>
+                </a:schemeClr>
+              </a:solidFill>
+              <a:tailEnd type="triangle"/>
+            </a:ln>
+          </p:spPr>
+          <p:style>
+            <a:lnRef idx="1">
+              <a:schemeClr val="dk1"/>
+            </a:lnRef>
+            <a:fillRef idx="0">
+              <a:schemeClr val="dk1"/>
+            </a:fillRef>
+            <a:effectRef idx="0">
+              <a:schemeClr val="dk1"/>
+            </a:effectRef>
+            <a:fontRef idx="minor">
+              <a:schemeClr val="tx1"/>
+            </a:fontRef>
+          </p:style>
+        </p:cxnSp>
+        <p:cxnSp>
+          <p:nvCxnSpPr>
+            <p:cNvPr id="37" name="Gerade Verbindung mit Pfeil 36">
+              <a:extLst>
+                <a:ext uri="{FF2B5EF4-FFF2-40B4-BE49-F238E27FC236}">
+                  <a16:creationId xmlns:a16="http://schemas.microsoft.com/office/drawing/2014/main" id="{1485F924-ED57-4721-BF7F-4A39DF510031}"/>
+                </a:ext>
+              </a:extLst>
+            </p:cNvPr>
+            <p:cNvCxnSpPr/>
+            <p:nvPr/>
+          </p:nvCxnSpPr>
+          <p:spPr>
+            <a:xfrm>
+              <a:off x="6486499" y="3383016"/>
+              <a:ext cx="832104" cy="0"/>
+            </a:xfrm>
+            <a:prstGeom prst="straightConnector1">
+              <a:avLst/>
+            </a:prstGeom>
+            <a:ln>
+              <a:solidFill>
+                <a:schemeClr val="bg1">
+                  <a:lumMod val="65000"/>
+                </a:schemeClr>
+              </a:solidFill>
+              <a:tailEnd type="triangle"/>
+            </a:ln>
+          </p:spPr>
+          <p:style>
+            <a:lnRef idx="1">
+              <a:schemeClr val="dk1"/>
+            </a:lnRef>
+            <a:fillRef idx="0">
+              <a:schemeClr val="dk1"/>
+            </a:fillRef>
+            <a:effectRef idx="0">
+              <a:schemeClr val="dk1"/>
+            </a:effectRef>
+            <a:fontRef idx="minor">
+              <a:schemeClr val="tx1"/>
+            </a:fontRef>
+          </p:style>
+        </p:cxnSp>
+        <p:sp>
+          <p:nvSpPr>
+            <p:cNvPr id="38" name="Rechteck: abgerundete Ecken 37">
+              <a:extLst>
+                <a:ext uri="{FF2B5EF4-FFF2-40B4-BE49-F238E27FC236}">
+                  <a16:creationId xmlns:a16="http://schemas.microsoft.com/office/drawing/2014/main" id="{B1351A75-9D77-4F71-91B7-BA5A07F9DDF6}"/>
+                </a:ext>
+              </a:extLst>
+            </p:cNvPr>
+            <p:cNvSpPr/>
+            <p:nvPr/>
+          </p:nvSpPr>
+          <p:spPr>
+            <a:xfrm>
+              <a:off x="8253288" y="2643443"/>
+              <a:ext cx="1863443" cy="353950"/>
+            </a:xfrm>
+            <a:prstGeom prst="roundRect">
+              <a:avLst/>
+            </a:prstGeom>
+            <a:noFill/>
+            <a:ln>
+              <a:solidFill>
+                <a:schemeClr val="bg1">
+                  <a:lumMod val="65000"/>
+                </a:schemeClr>
+              </a:solidFill>
+            </a:ln>
+          </p:spPr>
+          <p:style>
+            <a:lnRef idx="2">
+              <a:schemeClr val="accent1">
+                <a:shade val="50000"/>
+              </a:schemeClr>
+            </a:lnRef>
+            <a:fillRef idx="1">
+              <a:schemeClr val="accent1"/>
+            </a:fillRef>
+            <a:effectRef idx="0">
+              <a:schemeClr val="accent1"/>
+            </a:effectRef>
+            <a:fontRef idx="minor">
+              <a:schemeClr val="lt1"/>
+            </a:fontRef>
+          </p:style>
+          <p:txBody>
+            <a:bodyPr rtlCol="0" anchor="ctr"/>
+            <a:lstStyle/>
+            <a:p>
+              <a:pPr algn="ctr"/>
+              <a:r>
+                <a:rPr lang="en-US" dirty="0">
+                  <a:solidFill>
+                    <a:schemeClr val="bg1">
+                      <a:lumMod val="65000"/>
+                    </a:schemeClr>
+                  </a:solidFill>
+                </a:rPr>
+                <a:t>Unique user IDs</a:t>
+              </a:r>
+            </a:p>
+          </p:txBody>
+        </p:sp>
+        <p:pic>
+          <p:nvPicPr>
+            <p:cNvPr id="42" name="Grafik 41" descr="Synchronisierende Cloud">
+              <a:extLst>
+                <a:ext uri="{FF2B5EF4-FFF2-40B4-BE49-F238E27FC236}">
+                  <a16:creationId xmlns:a16="http://schemas.microsoft.com/office/drawing/2014/main" id="{7555C01C-E81E-457A-A252-F23A29467389}"/>
+                </a:ext>
+              </a:extLst>
+            </p:cNvPr>
+            <p:cNvPicPr>
+              <a:picLocks noChangeAspect="1"/>
+            </p:cNvPicPr>
+            <p:nvPr/>
+          </p:nvPicPr>
+          <p:blipFill>
+            <a:blip r:embed="rId10">
+              <a:extLst>
+                <a:ext uri="{28A0092B-C50C-407E-A947-70E740481C1C}">
+                  <a14:useLocalDpi xmlns:a14="http://schemas.microsoft.com/office/drawing/2010/main" val="0"/>
+                </a:ext>
+                <a:ext uri="{96DAC541-7B7A-43D3-8B79-37D633B846F1}">
+                  <asvg:svgBlip xmlns:asvg="http://schemas.microsoft.com/office/drawing/2016/SVG/main" r:embed="rId11"/>
+                </a:ext>
+              </a:extLst>
+            </a:blip>
+            <a:stretch>
+              <a:fillRect/>
+            </a:stretch>
+          </p:blipFill>
+          <p:spPr>
+            <a:xfrm>
+              <a:off x="7426261" y="1672840"/>
+              <a:ext cx="914400" cy="914400"/>
+            </a:xfrm>
+            <a:prstGeom prst="rect">
+              <a:avLst/>
+            </a:prstGeom>
+          </p:spPr>
+        </p:pic>
+      </p:grpSp>
+    </p:spTree>
+    <p:extLst>
+      <p:ext uri="{BB962C8B-B14F-4D97-AF65-F5344CB8AC3E}">
+        <p14:creationId xmlns:p14="http://schemas.microsoft.com/office/powerpoint/2010/main" val="3585552555"/>
+      </p:ext>
+    </p:extLst>
+  </p:cSld>
+  <p:clrMapOvr>
+    <a:masterClrMapping/>
+  </p:clrMapOvr>
+</p:sld>
+</file>
+
+<file path=ppt/slides/slide7.xml><?xml version="1.0" encoding="utf-8"?>
+<p:sld xmlns:a="http://schemas.openxmlformats.org/drawingml/2006/main" xmlns:r="http://schemas.openxmlformats.org/officeDocument/2006/relationships" xmlns:p="http://schemas.openxmlformats.org/presentationml/2006/main">
+  <p:cSld>
+    <p:spTree>
+      <p:nvGrpSpPr>
+        <p:cNvPr id="1" name=""/>
+        <p:cNvGrpSpPr/>
+        <p:nvPr/>
+      </p:nvGrpSpPr>
+      <p:grpSpPr>
+        <a:xfrm>
+          <a:off x="0" y="0"/>
+          <a:ext cx="0" cy="0"/>
+          <a:chOff x="0" y="0"/>
+          <a:chExt cx="0" cy="0"/>
+        </a:xfrm>
+      </p:grpSpPr>
+      <p:sp>
+        <p:nvSpPr>
+          <p:cNvPr id="2" name="Titel 1">
+            <a:extLst>
+              <a:ext uri="{FF2B5EF4-FFF2-40B4-BE49-F238E27FC236}">
                 <a16:creationId xmlns:a16="http://schemas.microsoft.com/office/drawing/2014/main" id="{155CCA55-B790-46C3-B8E9-894AF4CF457E}"/>
               </a:ext>
             </a:extLst>
@@ -4509,7 +6810,7 @@
           <a:p>
             <a:fld id="{A1619061-48AD-4540-8BAC-2E2ACF1ABA55}" type="slidenum">
               <a:rPr lang="de-DE" smtClean="0"/>
-              <a:t>5</a:t>
+              <a:t>7</a:t>
             </a:fld>
             <a:endParaRPr lang="de-DE"/>
           </a:p>

--- a/business/Tracer.pptx
+++ b/business/Tracer.pptx
@@ -4291,7 +4291,7 @@
         </p:nvSpPr>
         <p:spPr>
           <a:xfrm>
-            <a:off x="969264" y="2084832"/>
+            <a:off x="1627632" y="2145222"/>
             <a:ext cx="3069336" cy="658368"/>
           </a:xfrm>
           <a:prstGeom prst="roundRect">
@@ -4328,7 +4328,7 @@
           <a:p>
             <a:pPr algn="ctr"/>
             <a:r>
-              <a:rPr lang="en-US">
+              <a:rPr lang="en-US" dirty="0">
                 <a:solidFill>
                   <a:schemeClr val="bg1">
                     <a:lumMod val="65000"/>
@@ -4354,7 +4354,7 @@
         </p:nvSpPr>
         <p:spPr>
           <a:xfrm>
-            <a:off x="969264" y="2930397"/>
+            <a:off x="1627632" y="2990787"/>
             <a:ext cx="3069336" cy="658368"/>
           </a:xfrm>
           <a:prstGeom prst="roundRect">
@@ -4417,7 +4417,7 @@
         </p:nvSpPr>
         <p:spPr>
           <a:xfrm>
-            <a:off x="969264" y="3775962"/>
+            <a:off x="1627632" y="3836352"/>
             <a:ext cx="3069336" cy="658368"/>
           </a:xfrm>
           <a:prstGeom prst="roundRect">
@@ -4497,7 +4497,7 @@
         </p:blipFill>
         <p:spPr>
           <a:xfrm>
-            <a:off x="7696200" y="2345181"/>
+            <a:off x="7406640" y="2270886"/>
             <a:ext cx="914400" cy="914400"/>
           </a:xfrm>
           <a:prstGeom prst="rect">
@@ -4580,7 +4580,7 @@
         </p:blipFill>
         <p:spPr>
           <a:xfrm>
-            <a:off x="9890760" y="2286000"/>
+            <a:off x="9180576" y="2270886"/>
             <a:ext cx="914400" cy="914400"/>
           </a:xfrm>
           <a:prstGeom prst="rect">
@@ -4619,7 +4619,7 @@
         </p:blipFill>
         <p:spPr>
           <a:xfrm>
-            <a:off x="8857488" y="3429000"/>
+            <a:off x="8321040" y="3319971"/>
             <a:ext cx="914400" cy="914400"/>
           </a:xfrm>
           <a:prstGeom prst="rect">
@@ -6608,8 +6608,8 @@
           </p:nvSpPr>
           <p:spPr>
             <a:xfrm>
-              <a:off x="8253288" y="2643443"/>
-              <a:ext cx="1863443" cy="353950"/>
+              <a:off x="8253288" y="2643442"/>
+              <a:ext cx="1863443" cy="638821"/>
             </a:xfrm>
             <a:prstGeom prst="roundRect">
               <a:avLst/>
@@ -6652,7 +6652,7 @@
                     </a:schemeClr>
                   </a:solidFill>
                 </a:rPr>
-                <a:t>Unique user IDs</a:t>
+                <a:t>Other unique user IDs</a:t>
               </a:r>
             </a:p>
           </p:txBody>

--- a/business/Tracer.pptx
+++ b/business/Tracer.pptx
@@ -5,16 +5,17 @@
     <p:sldMasterId id="2147483648" r:id="rId1"/>
   </p:sldMasterIdLst>
   <p:notesMasterIdLst>
-    <p:notesMasterId r:id="rId9"/>
+    <p:notesMasterId r:id="rId10"/>
   </p:notesMasterIdLst>
   <p:sldIdLst>
     <p:sldId id="256" r:id="rId2"/>
     <p:sldId id="257" r:id="rId3"/>
     <p:sldId id="258" r:id="rId4"/>
-    <p:sldId id="259" r:id="rId5"/>
-    <p:sldId id="261" r:id="rId6"/>
-    <p:sldId id="262" r:id="rId7"/>
-    <p:sldId id="260" r:id="rId8"/>
+    <p:sldId id="263" r:id="rId5"/>
+    <p:sldId id="259" r:id="rId6"/>
+    <p:sldId id="261" r:id="rId7"/>
+    <p:sldId id="262" r:id="rId8"/>
+    <p:sldId id="260" r:id="rId9"/>
   </p:sldIdLst>
   <p:sldSz cx="12192000" cy="6858000"/>
   <p:notesSz cx="6858000" cy="9144000"/>
@@ -203,7 +204,7 @@
           <a:p>
             <a:fld id="{39BC4836-AE22-48DA-8DE7-8001413E471C}" type="datetimeFigureOut">
               <a:rPr lang="de-DE" smtClean="0"/>
-              <a:t>30.11.2020</a:t>
+              <a:t>01.12.2020</a:t>
             </a:fld>
             <a:endParaRPr lang="de-DE"/>
           </a:p>
@@ -625,7 +626,7 @@
           <a:p>
             <a:fld id="{A318366C-B197-46A7-9C15-03B8BAE1F056}" type="datetime1">
               <a:rPr lang="de-DE" smtClean="0"/>
-              <a:t>30.11.2020</a:t>
+              <a:t>01.12.2020</a:t>
             </a:fld>
             <a:endParaRPr lang="de-DE"/>
           </a:p>
@@ -699,8 +700,8 @@
         </p:nvSpPr>
         <p:spPr>
           <a:xfrm>
-            <a:off x="561703" y="6036945"/>
-            <a:ext cx="11068594" cy="735874"/>
+            <a:off x="561703" y="5486400"/>
+            <a:ext cx="11068594" cy="1286419"/>
           </a:xfrm>
           <a:prstGeom prst="rect">
             <a:avLst/>
@@ -880,7 +881,7 @@
           <a:p>
             <a:fld id="{8CDEA0A5-D141-47C8-9B28-DC1F68C5A91B}" type="datetime1">
               <a:rPr lang="de-DE" smtClean="0"/>
-              <a:t>30.11.2020</a:t>
+              <a:t>01.12.2020</a:t>
             </a:fld>
             <a:endParaRPr lang="de-DE"/>
           </a:p>
@@ -1096,7 +1097,7 @@
           <a:p>
             <a:fld id="{BA78E8ED-7C35-4906-A8D6-61658FB55C1D}" type="datetime1">
               <a:rPr lang="de-DE" smtClean="0"/>
-              <a:t>30.11.2020</a:t>
+              <a:t>01.12.2020</a:t>
             </a:fld>
             <a:endParaRPr lang="de-DE"/>
           </a:p>
@@ -1302,7 +1303,7 @@
           <a:p>
             <a:fld id="{3FEF1105-FE47-4319-9E4D-A2AED12CB221}" type="datetime1">
               <a:rPr lang="de-DE" smtClean="0"/>
-              <a:t>30.11.2020</a:t>
+              <a:t>01.12.2020</a:t>
             </a:fld>
             <a:endParaRPr lang="de-DE"/>
           </a:p>
@@ -1384,11 +1385,9 @@
           <a:prstGeom prst="straightConnector1">
             <a:avLst/>
           </a:prstGeom>
-          <a:ln>
+          <a:ln w="76200">
             <a:solidFill>
-              <a:schemeClr val="bg1">
-                <a:lumMod val="75000"/>
-              </a:schemeClr>
+              <a:srgbClr val="80CDEC"/>
             </a:solidFill>
             <a:headEnd type="none" w="med" len="med"/>
             <a:tailEnd type="none" w="med" len="med"/>
@@ -1632,7 +1631,7 @@
           <a:p>
             <a:fld id="{AFDFC6D6-6DFE-4086-8E63-4858020EA4A5}" type="datetime1">
               <a:rPr lang="de-DE" smtClean="0"/>
-              <a:t>30.11.2020</a:t>
+              <a:t>01.12.2020</a:t>
             </a:fld>
             <a:endParaRPr lang="de-DE"/>
           </a:p>
@@ -1905,7 +1904,7 @@
           <a:p>
             <a:fld id="{DB062427-870F-4FB3-B4F3-23E6555E6AD2}" type="datetime1">
               <a:rPr lang="de-DE" smtClean="0"/>
-              <a:t>30.11.2020</a:t>
+              <a:t>01.12.2020</a:t>
             </a:fld>
             <a:endParaRPr lang="de-DE"/>
           </a:p>
@@ -1965,6 +1964,51 @@
           </a:p>
         </p:txBody>
       </p:sp>
+      <p:cxnSp>
+        <p:nvCxnSpPr>
+          <p:cNvPr id="8" name="Gerade Verbindung mit Pfeil 7">
+            <a:extLst>
+              <a:ext uri="{FF2B5EF4-FFF2-40B4-BE49-F238E27FC236}">
+                <a16:creationId xmlns:a16="http://schemas.microsoft.com/office/drawing/2014/main" id="{ED7806CB-4A08-4897-A773-5149FBC4A012}"/>
+              </a:ext>
+            </a:extLst>
+          </p:cNvPr>
+          <p:cNvCxnSpPr>
+            <a:cxnSpLocks/>
+          </p:cNvCxnSpPr>
+          <p:nvPr userDrawn="1"/>
+        </p:nvCxnSpPr>
+        <p:spPr>
+          <a:xfrm>
+            <a:off x="838200" y="1258765"/>
+            <a:ext cx="5145698" cy="0"/>
+          </a:xfrm>
+          <a:prstGeom prst="straightConnector1">
+            <a:avLst/>
+          </a:prstGeom>
+          <a:ln w="76200">
+            <a:solidFill>
+              <a:srgbClr val="80CDEC"/>
+            </a:solidFill>
+            <a:headEnd type="none" w="med" len="med"/>
+            <a:tailEnd type="none" w="med" len="med"/>
+          </a:ln>
+        </p:spPr>
+        <p:style>
+          <a:lnRef idx="1">
+            <a:schemeClr val="dk1"/>
+          </a:lnRef>
+          <a:fillRef idx="0">
+            <a:schemeClr val="dk1"/>
+          </a:fillRef>
+          <a:effectRef idx="0">
+            <a:schemeClr val="dk1"/>
+          </a:effectRef>
+          <a:fontRef idx="minor">
+            <a:schemeClr val="tx1"/>
+          </a:fontRef>
+        </p:style>
+      </p:cxnSp>
     </p:spTree>
     <p:extLst>
       <p:ext uri="{BB962C8B-B14F-4D97-AF65-F5344CB8AC3E}">
@@ -2325,7 +2369,7 @@
           <a:p>
             <a:fld id="{37929C20-B4B2-493F-86A3-7158A5BE76C7}" type="datetime1">
               <a:rPr lang="de-DE" smtClean="0"/>
-              <a:t>30.11.2020</a:t>
+              <a:t>01.12.2020</a:t>
             </a:fld>
             <a:endParaRPr lang="de-DE"/>
           </a:p>
@@ -2385,6 +2429,51 @@
           </a:p>
         </p:txBody>
       </p:sp>
+      <p:cxnSp>
+        <p:nvCxnSpPr>
+          <p:cNvPr id="10" name="Gerade Verbindung mit Pfeil 9">
+            <a:extLst>
+              <a:ext uri="{FF2B5EF4-FFF2-40B4-BE49-F238E27FC236}">
+                <a16:creationId xmlns:a16="http://schemas.microsoft.com/office/drawing/2014/main" id="{A5458B38-D2D1-4868-9AD0-37EAFCE68453}"/>
+              </a:ext>
+            </a:extLst>
+          </p:cNvPr>
+          <p:cNvCxnSpPr>
+            <a:cxnSpLocks/>
+          </p:cNvCxnSpPr>
+          <p:nvPr userDrawn="1"/>
+        </p:nvCxnSpPr>
+        <p:spPr>
+          <a:xfrm>
+            <a:off x="838200" y="1258765"/>
+            <a:ext cx="5145698" cy="0"/>
+          </a:xfrm>
+          <a:prstGeom prst="straightConnector1">
+            <a:avLst/>
+          </a:prstGeom>
+          <a:ln w="76200">
+            <a:solidFill>
+              <a:srgbClr val="80CDEC"/>
+            </a:solidFill>
+            <a:headEnd type="none" w="med" len="med"/>
+            <a:tailEnd type="none" w="med" len="med"/>
+          </a:ln>
+        </p:spPr>
+        <p:style>
+          <a:lnRef idx="1">
+            <a:schemeClr val="dk1"/>
+          </a:lnRef>
+          <a:fillRef idx="0">
+            <a:schemeClr val="dk1"/>
+          </a:fillRef>
+          <a:effectRef idx="0">
+            <a:schemeClr val="dk1"/>
+          </a:effectRef>
+          <a:fontRef idx="minor">
+            <a:schemeClr val="tx1"/>
+          </a:fontRef>
+        </p:style>
+      </p:cxnSp>
     </p:spTree>
     <p:extLst>
       <p:ext uri="{BB962C8B-B14F-4D97-AF65-F5344CB8AC3E}">
@@ -2474,7 +2563,7 @@
           <a:p>
             <a:fld id="{701B39E1-A7C4-4B09-9882-44AC36AEC5A3}" type="datetime1">
               <a:rPr lang="de-DE" smtClean="0"/>
-              <a:t>30.11.2020</a:t>
+              <a:t>01.12.2020</a:t>
             </a:fld>
             <a:endParaRPr lang="de-DE"/>
           </a:p>
@@ -2534,6 +2623,51 @@
           </a:p>
         </p:txBody>
       </p:sp>
+      <p:cxnSp>
+        <p:nvCxnSpPr>
+          <p:cNvPr id="6" name="Gerade Verbindung mit Pfeil 5">
+            <a:extLst>
+              <a:ext uri="{FF2B5EF4-FFF2-40B4-BE49-F238E27FC236}">
+                <a16:creationId xmlns:a16="http://schemas.microsoft.com/office/drawing/2014/main" id="{04CDFAD1-22B8-44D6-9043-17F7E123EBB8}"/>
+              </a:ext>
+            </a:extLst>
+          </p:cNvPr>
+          <p:cNvCxnSpPr>
+            <a:cxnSpLocks/>
+          </p:cNvCxnSpPr>
+          <p:nvPr userDrawn="1"/>
+        </p:nvCxnSpPr>
+        <p:spPr>
+          <a:xfrm>
+            <a:off x="838200" y="1258765"/>
+            <a:ext cx="5145698" cy="0"/>
+          </a:xfrm>
+          <a:prstGeom prst="straightConnector1">
+            <a:avLst/>
+          </a:prstGeom>
+          <a:ln w="76200">
+            <a:solidFill>
+              <a:srgbClr val="80CDEC"/>
+            </a:solidFill>
+            <a:headEnd type="none" w="med" len="med"/>
+            <a:tailEnd type="none" w="med" len="med"/>
+          </a:ln>
+        </p:spPr>
+        <p:style>
+          <a:lnRef idx="1">
+            <a:schemeClr val="dk1"/>
+          </a:lnRef>
+          <a:fillRef idx="0">
+            <a:schemeClr val="dk1"/>
+          </a:fillRef>
+          <a:effectRef idx="0">
+            <a:schemeClr val="dk1"/>
+          </a:effectRef>
+          <a:fontRef idx="minor">
+            <a:schemeClr val="tx1"/>
+          </a:fontRef>
+        </p:style>
+      </p:cxnSp>
     </p:spTree>
     <p:extLst>
       <p:ext uri="{BB962C8B-B14F-4D97-AF65-F5344CB8AC3E}">
@@ -2595,7 +2729,7 @@
           <a:p>
             <a:fld id="{CB109AD5-CF12-4148-9A12-1A3E0B83E9A6}" type="datetime1">
               <a:rPr lang="de-DE" smtClean="0"/>
-              <a:t>30.11.2020</a:t>
+              <a:t>01.12.2020</a:t>
             </a:fld>
             <a:endParaRPr lang="de-DE"/>
           </a:p>
@@ -2914,7 +3048,7 @@
           <a:p>
             <a:fld id="{180B8343-FAAB-4754-A248-52B42DA13C72}" type="datetime1">
               <a:rPr lang="de-DE" smtClean="0"/>
-              <a:t>30.11.2020</a:t>
+              <a:t>01.12.2020</a:t>
             </a:fld>
             <a:endParaRPr lang="de-DE"/>
           </a:p>
@@ -3210,7 +3344,7 @@
           <a:p>
             <a:fld id="{5A17E3EC-AB1A-4B1C-AFC3-D3741F03B974}" type="datetime1">
               <a:rPr lang="de-DE" smtClean="0"/>
-              <a:t>30.11.2020</a:t>
+              <a:t>01.12.2020</a:t>
             </a:fld>
             <a:endParaRPr lang="de-DE"/>
           </a:p>
@@ -3538,6 +3672,51 @@
           </a:prstGeom>
         </p:spPr>
       </p:pic>
+      <p:cxnSp>
+        <p:nvCxnSpPr>
+          <p:cNvPr id="7" name="Gerade Verbindung mit Pfeil 6">
+            <a:extLst>
+              <a:ext uri="{FF2B5EF4-FFF2-40B4-BE49-F238E27FC236}">
+                <a16:creationId xmlns:a16="http://schemas.microsoft.com/office/drawing/2014/main" id="{0EA762D0-28C0-4DCB-B7F0-7F6A137321B7}"/>
+              </a:ext>
+            </a:extLst>
+          </p:cNvPr>
+          <p:cNvCxnSpPr>
+            <a:cxnSpLocks/>
+          </p:cNvCxnSpPr>
+          <p:nvPr userDrawn="1"/>
+        </p:nvCxnSpPr>
+        <p:spPr>
+          <a:xfrm>
+            <a:off x="10415847" y="6145211"/>
+            <a:ext cx="937953" cy="0"/>
+          </a:xfrm>
+          <a:prstGeom prst="straightConnector1">
+            <a:avLst/>
+          </a:prstGeom>
+          <a:ln w="9525">
+            <a:solidFill>
+              <a:srgbClr val="80CDEC"/>
+            </a:solidFill>
+            <a:headEnd type="none" w="med" len="med"/>
+            <a:tailEnd type="none" w="med" len="med"/>
+          </a:ln>
+        </p:spPr>
+        <p:style>
+          <a:lnRef idx="1">
+            <a:schemeClr val="dk1"/>
+          </a:lnRef>
+          <a:fillRef idx="0">
+            <a:schemeClr val="dk1"/>
+          </a:fillRef>
+          <a:effectRef idx="0">
+            <a:schemeClr val="dk1"/>
+          </a:effectRef>
+          <a:fontRef idx="minor">
+            <a:schemeClr val="tx1"/>
+          </a:fontRef>
+        </p:style>
+      </p:cxnSp>
     </p:spTree>
     <p:extLst>
       <p:ext uri="{BB962C8B-B14F-4D97-AF65-F5344CB8AC3E}">
@@ -3572,7 +3751,9 @@
         <a:buNone/>
         <a:defRPr sz="4400" kern="1200">
           <a:solidFill>
-            <a:srgbClr val="80CDEC"/>
+            <a:schemeClr val="bg1">
+              <a:lumMod val="65000"/>
+            </a:schemeClr>
           </a:solidFill>
           <a:latin typeface="Roboto Black" panose="02000000000000000000" pitchFamily="2" charset="0"/>
           <a:ea typeface="Roboto Black" panose="02000000000000000000" pitchFamily="2" charset="0"/>
@@ -3900,7 +4081,9 @@
             <a:r>
               <a:rPr lang="de-DE" dirty="0">
                 <a:solidFill>
-                  <a:srgbClr val="80CDEC"/>
+                  <a:schemeClr val="bg1">
+                    <a:lumMod val="65000"/>
+                  </a:schemeClr>
                 </a:solidFill>
               </a:rPr>
               <a:t>Pitch Deck</a:t>
@@ -3970,11 +4153,9 @@
           <a:prstGeom prst="straightConnector1">
             <a:avLst/>
           </a:prstGeom>
-          <a:ln>
+          <a:ln w="76200">
             <a:solidFill>
-              <a:schemeClr val="bg1">
-                <a:lumMod val="75000"/>
-              </a:schemeClr>
+              <a:srgbClr val="80CDEC"/>
             </a:solidFill>
             <a:headEnd type="none" w="med" len="med"/>
             <a:tailEnd type="none" w="med" len="med"/>
@@ -4083,11 +4264,7 @@
           <a:lstStyle/>
           <a:p>
             <a:r>
-              <a:rPr lang="en-US" dirty="0">
-                <a:solidFill>
-                  <a:srgbClr val="80CDEC"/>
-                </a:solidFill>
-              </a:rPr>
+              <a:rPr lang="en-US" dirty="0"/>
               <a:t>Pandemic</a:t>
             </a:r>
           </a:p>
@@ -4150,6 +4327,51 @@
           </a:p>
         </p:txBody>
       </p:sp>
+      <p:pic>
+        <p:nvPicPr>
+          <p:cNvPr id="7" name="Grafik 6">
+            <a:extLst>
+              <a:ext uri="{FF2B5EF4-FFF2-40B4-BE49-F238E27FC236}">
+                <a16:creationId xmlns:a16="http://schemas.microsoft.com/office/drawing/2014/main" id="{988B41DD-FEE5-4CCC-A706-50D076D3547B}"/>
+              </a:ext>
+            </a:extLst>
+          </p:cNvPr>
+          <p:cNvPicPr/>
+          <p:nvPr/>
+        </p:nvPicPr>
+        <p:blipFill>
+          <a:blip r:embed="rId2">
+            <a:extLst>
+              <a:ext uri="{28A0092B-C50C-407E-A947-70E740481C1C}">
+                <a14:useLocalDpi xmlns:a14="http://schemas.microsoft.com/office/drawing/2010/main" val="0"/>
+              </a:ext>
+            </a:extLst>
+          </a:blip>
+          <a:srcRect/>
+          <a:stretch>
+            <a:fillRect/>
+          </a:stretch>
+        </p:blipFill>
+        <p:spPr bwMode="auto">
+          <a:xfrm>
+            <a:off x="3522730" y="1554781"/>
+            <a:ext cx="5753100" cy="4276725"/>
+          </a:xfrm>
+          <a:prstGeom prst="rect">
+            <a:avLst/>
+          </a:prstGeom>
+          <a:ln>
+            <a:noFill/>
+          </a:ln>
+          <a:effectLst>
+            <a:outerShdw blurRad="292100" dist="139700" dir="2700000" algn="tl" rotWithShape="0">
+              <a:srgbClr val="333333">
+                <a:alpha val="65000"/>
+              </a:srgbClr>
+            </a:outerShdw>
+          </a:effectLst>
+        </p:spPr>
+      </p:pic>
     </p:spTree>
     <p:extLst>
       <p:ext uri="{BB962C8B-B14F-4D97-AF65-F5344CB8AC3E}">
@@ -4202,19 +4424,11 @@
           <a:lstStyle/>
           <a:p>
             <a:r>
-              <a:rPr lang="de-DE" dirty="0" err="1">
-                <a:solidFill>
-                  <a:srgbClr val="80CDEC"/>
-                </a:solidFill>
-              </a:rPr>
+              <a:rPr lang="de-DE" dirty="0" err="1"/>
               <a:t>Our</a:t>
             </a:r>
             <a:r>
-              <a:rPr lang="de-DE" dirty="0">
-                <a:solidFill>
-                  <a:srgbClr val="80CDEC"/>
-                </a:solidFill>
-              </a:rPr>
+              <a:rPr lang="de-DE" dirty="0"/>
               <a:t> Solution</a:t>
             </a:r>
           </a:p>
@@ -4527,9 +4741,7 @@
           </a:prstGeom>
           <a:ln>
             <a:solidFill>
-              <a:schemeClr val="bg1">
-                <a:lumMod val="65000"/>
-              </a:schemeClr>
+              <a:srgbClr val="BC1200"/>
             </a:solidFill>
             <a:tailEnd type="triangle"/>
           </a:ln>
@@ -4662,7 +4874,7 @@
           <p:cNvPr id="2" name="Titel 1">
             <a:extLst>
               <a:ext uri="{FF2B5EF4-FFF2-40B4-BE49-F238E27FC236}">
-                <a16:creationId xmlns:a16="http://schemas.microsoft.com/office/drawing/2014/main" id="{326583CF-61E1-40B7-8DC5-42AA7EC29523}"/>
+                <a16:creationId xmlns:a16="http://schemas.microsoft.com/office/drawing/2014/main" id="{12F52214-58EE-4B88-8D5B-74D4345F8808}"/>
               </a:ext>
             </a:extLst>
           </p:cNvPr>
@@ -4679,22 +4891,18 @@
           <a:lstStyle/>
           <a:p>
             <a:r>
-              <a:rPr lang="de-DE" dirty="0">
-                <a:solidFill>
-                  <a:srgbClr val="80CDEC"/>
-                </a:solidFill>
-              </a:rPr>
-              <a:t>System – New Entry</a:t>
-            </a:r>
-          </a:p>
-        </p:txBody>
-      </p:sp>
-      <p:sp>
-        <p:nvSpPr>
-          <p:cNvPr id="5" name="Fußzeilenplatzhalter 4">
-            <a:extLst>
-              <a:ext uri="{FF2B5EF4-FFF2-40B4-BE49-F238E27FC236}">
-                <a16:creationId xmlns:a16="http://schemas.microsoft.com/office/drawing/2014/main" id="{BAF9471C-E48D-4E21-A158-7C35C182BC0E}"/>
+              <a:rPr lang="de-DE" dirty="0"/>
+              <a:t>Business Model</a:t>
+            </a:r>
+          </a:p>
+        </p:txBody>
+      </p:sp>
+      <p:sp>
+        <p:nvSpPr>
+          <p:cNvPr id="4" name="Fußzeilenplatzhalter 3">
+            <a:extLst>
+              <a:ext uri="{FF2B5EF4-FFF2-40B4-BE49-F238E27FC236}">
+                <a16:creationId xmlns:a16="http://schemas.microsoft.com/office/drawing/2014/main" id="{13E5FC91-C62C-4470-A7E9-8884459C309E}"/>
               </a:ext>
             </a:extLst>
           </p:cNvPr>
@@ -4710,19 +4918,16 @@
           <a:bodyPr/>
           <a:lstStyle/>
           <a:p>
-            <a:r>
-              <a:rPr lang="de-DE" dirty="0"/>
-              <a:t>HOW</a:t>
-            </a:r>
-          </a:p>
-        </p:txBody>
-      </p:sp>
-      <p:sp>
-        <p:nvSpPr>
-          <p:cNvPr id="6" name="Foliennummernplatzhalter 5">
-            <a:extLst>
-              <a:ext uri="{FF2B5EF4-FFF2-40B4-BE49-F238E27FC236}">
-                <a16:creationId xmlns:a16="http://schemas.microsoft.com/office/drawing/2014/main" id="{4E9FA3DA-7A86-497B-9B2D-442B55C57988}"/>
+            <a:endParaRPr lang="de-DE"/>
+          </a:p>
+        </p:txBody>
+      </p:sp>
+      <p:sp>
+        <p:nvSpPr>
+          <p:cNvPr id="5" name="Foliennummernplatzhalter 4">
+            <a:extLst>
+              <a:ext uri="{FF2B5EF4-FFF2-40B4-BE49-F238E27FC236}">
+                <a16:creationId xmlns:a16="http://schemas.microsoft.com/office/drawing/2014/main" id="{D973B620-5603-4FB3-AEE2-03899F943043}"/>
               </a:ext>
             </a:extLst>
           </p:cNvPr>
@@ -4741,6 +4946,527 @@
             <a:fld id="{A1619061-48AD-4540-8BAC-2E2ACF1ABA55}" type="slidenum">
               <a:rPr lang="de-DE" smtClean="0"/>
               <a:t>4</a:t>
+            </a:fld>
+            <a:endParaRPr lang="de-DE"/>
+          </a:p>
+        </p:txBody>
+      </p:sp>
+      <p:sp>
+        <p:nvSpPr>
+          <p:cNvPr id="6" name="Rechteck: abgerundete Ecken 5">
+            <a:extLst>
+              <a:ext uri="{FF2B5EF4-FFF2-40B4-BE49-F238E27FC236}">
+                <a16:creationId xmlns:a16="http://schemas.microsoft.com/office/drawing/2014/main" id="{49F4DDE2-FEA5-435F-87E9-E796ADE56C42}"/>
+              </a:ext>
+            </a:extLst>
+          </p:cNvPr>
+          <p:cNvSpPr/>
+          <p:nvPr/>
+        </p:nvSpPr>
+        <p:spPr>
+          <a:xfrm>
+            <a:off x="2266593" y="3470112"/>
+            <a:ext cx="3069336" cy="658368"/>
+          </a:xfrm>
+          <a:prstGeom prst="roundRect">
+            <a:avLst/>
+          </a:prstGeom>
+          <a:noFill/>
+          <a:ln>
+            <a:solidFill>
+              <a:schemeClr val="bg1">
+                <a:lumMod val="65000"/>
+              </a:schemeClr>
+            </a:solidFill>
+          </a:ln>
+        </p:spPr>
+        <p:style>
+          <a:lnRef idx="2">
+            <a:schemeClr val="accent1">
+              <a:shade val="50000"/>
+            </a:schemeClr>
+          </a:lnRef>
+          <a:fillRef idx="1">
+            <a:schemeClr val="accent1"/>
+          </a:fillRef>
+          <a:effectRef idx="0">
+            <a:schemeClr val="accent1"/>
+          </a:effectRef>
+          <a:fontRef idx="minor">
+            <a:schemeClr val="lt1"/>
+          </a:fontRef>
+        </p:style>
+        <p:txBody>
+          <a:bodyPr rtlCol="0" anchor="ctr"/>
+          <a:lstStyle/>
+          <a:p>
+            <a:pPr algn="r"/>
+            <a:r>
+              <a:rPr lang="en-US" dirty="0">
+                <a:solidFill>
+                  <a:schemeClr val="bg1">
+                    <a:lumMod val="65000"/>
+                  </a:schemeClr>
+                </a:solidFill>
+              </a:rPr>
+              <a:t>Open Source</a:t>
+            </a:r>
+          </a:p>
+        </p:txBody>
+      </p:sp>
+      <p:sp>
+        <p:nvSpPr>
+          <p:cNvPr id="7" name="Rechteck: abgerundete Ecken 6">
+            <a:extLst>
+              <a:ext uri="{FF2B5EF4-FFF2-40B4-BE49-F238E27FC236}">
+                <a16:creationId xmlns:a16="http://schemas.microsoft.com/office/drawing/2014/main" id="{DCCEB1DE-FBCA-4DF0-9725-A6A34FED7458}"/>
+              </a:ext>
+            </a:extLst>
+          </p:cNvPr>
+          <p:cNvSpPr/>
+          <p:nvPr/>
+        </p:nvSpPr>
+        <p:spPr>
+          <a:xfrm>
+            <a:off x="2266593" y="2414497"/>
+            <a:ext cx="3069336" cy="658368"/>
+          </a:xfrm>
+          <a:prstGeom prst="roundRect">
+            <a:avLst/>
+          </a:prstGeom>
+          <a:noFill/>
+          <a:ln>
+            <a:solidFill>
+              <a:schemeClr val="bg1">
+                <a:lumMod val="65000"/>
+              </a:schemeClr>
+            </a:solidFill>
+          </a:ln>
+        </p:spPr>
+        <p:style>
+          <a:lnRef idx="2">
+            <a:schemeClr val="accent1">
+              <a:shade val="50000"/>
+            </a:schemeClr>
+          </a:lnRef>
+          <a:fillRef idx="1">
+            <a:schemeClr val="accent1"/>
+          </a:fillRef>
+          <a:effectRef idx="0">
+            <a:schemeClr val="accent1"/>
+          </a:effectRef>
+          <a:fontRef idx="minor">
+            <a:schemeClr val="lt1"/>
+          </a:fontRef>
+        </p:style>
+        <p:txBody>
+          <a:bodyPr rtlCol="0" anchor="ctr"/>
+          <a:lstStyle/>
+          <a:p>
+            <a:pPr algn="r"/>
+            <a:r>
+              <a:rPr lang="en-US" dirty="0">
+                <a:solidFill>
+                  <a:schemeClr val="bg1">
+                    <a:lumMod val="65000"/>
+                  </a:schemeClr>
+                </a:solidFill>
+              </a:rPr>
+              <a:t>Free to use</a:t>
+            </a:r>
+          </a:p>
+        </p:txBody>
+      </p:sp>
+      <p:sp>
+        <p:nvSpPr>
+          <p:cNvPr id="9" name="Rechteck: abgerundete Ecken 8">
+            <a:extLst>
+              <a:ext uri="{FF2B5EF4-FFF2-40B4-BE49-F238E27FC236}">
+                <a16:creationId xmlns:a16="http://schemas.microsoft.com/office/drawing/2014/main" id="{62D66373-3E44-4360-B255-56B19C175A4D}"/>
+              </a:ext>
+            </a:extLst>
+          </p:cNvPr>
+          <p:cNvSpPr/>
+          <p:nvPr/>
+        </p:nvSpPr>
+        <p:spPr>
+          <a:xfrm>
+            <a:off x="6269540" y="2398427"/>
+            <a:ext cx="3069336" cy="658368"/>
+          </a:xfrm>
+          <a:prstGeom prst="roundRect">
+            <a:avLst/>
+          </a:prstGeom>
+          <a:noFill/>
+          <a:ln>
+            <a:solidFill>
+              <a:schemeClr val="bg1">
+                <a:lumMod val="65000"/>
+              </a:schemeClr>
+            </a:solidFill>
+          </a:ln>
+        </p:spPr>
+        <p:style>
+          <a:lnRef idx="2">
+            <a:schemeClr val="accent1">
+              <a:shade val="50000"/>
+            </a:schemeClr>
+          </a:lnRef>
+          <a:fillRef idx="1">
+            <a:schemeClr val="accent1"/>
+          </a:fillRef>
+          <a:effectRef idx="0">
+            <a:schemeClr val="accent1"/>
+          </a:effectRef>
+          <a:fontRef idx="minor">
+            <a:schemeClr val="lt1"/>
+          </a:fontRef>
+        </p:style>
+        <p:txBody>
+          <a:bodyPr rtlCol="0" anchor="ctr"/>
+          <a:lstStyle/>
+          <a:p>
+            <a:pPr algn="r"/>
+            <a:r>
+              <a:rPr lang="en-US" dirty="0">
+                <a:solidFill>
+                  <a:schemeClr val="bg1">
+                    <a:lumMod val="65000"/>
+                  </a:schemeClr>
+                </a:solidFill>
+              </a:rPr>
+              <a:t>Sponsorship</a:t>
+            </a:r>
+          </a:p>
+        </p:txBody>
+      </p:sp>
+      <p:sp>
+        <p:nvSpPr>
+          <p:cNvPr id="10" name="Rechteck: abgerundete Ecken 9">
+            <a:extLst>
+              <a:ext uri="{FF2B5EF4-FFF2-40B4-BE49-F238E27FC236}">
+                <a16:creationId xmlns:a16="http://schemas.microsoft.com/office/drawing/2014/main" id="{57A71C59-D031-490E-AA9C-37C8EDF7ABFE}"/>
+              </a:ext>
+            </a:extLst>
+          </p:cNvPr>
+          <p:cNvSpPr/>
+          <p:nvPr/>
+        </p:nvSpPr>
+        <p:spPr>
+          <a:xfrm>
+            <a:off x="6269540" y="3454042"/>
+            <a:ext cx="3069336" cy="658368"/>
+          </a:xfrm>
+          <a:prstGeom prst="roundRect">
+            <a:avLst/>
+          </a:prstGeom>
+          <a:noFill/>
+          <a:ln>
+            <a:solidFill>
+              <a:srgbClr val="BC1200"/>
+            </a:solidFill>
+          </a:ln>
+        </p:spPr>
+        <p:style>
+          <a:lnRef idx="2">
+            <a:schemeClr val="accent1">
+              <a:shade val="50000"/>
+            </a:schemeClr>
+          </a:lnRef>
+          <a:fillRef idx="1">
+            <a:schemeClr val="accent1"/>
+          </a:fillRef>
+          <a:effectRef idx="0">
+            <a:schemeClr val="accent1"/>
+          </a:effectRef>
+          <a:fontRef idx="minor">
+            <a:schemeClr val="lt1"/>
+          </a:fontRef>
+        </p:style>
+        <p:txBody>
+          <a:bodyPr rtlCol="0" anchor="ctr"/>
+          <a:lstStyle/>
+          <a:p>
+            <a:pPr algn="r"/>
+            <a:r>
+              <a:rPr lang="en-US" dirty="0">
+                <a:solidFill>
+                  <a:schemeClr val="bg1">
+                    <a:lumMod val="65000"/>
+                  </a:schemeClr>
+                </a:solidFill>
+              </a:rPr>
+              <a:t>Value: Open stores</a:t>
+            </a:r>
+          </a:p>
+        </p:txBody>
+      </p:sp>
+      <p:pic>
+        <p:nvPicPr>
+          <p:cNvPr id="11" name="Grafik 10" descr="Kiosk">
+            <a:extLst>
+              <a:ext uri="{FF2B5EF4-FFF2-40B4-BE49-F238E27FC236}">
+                <a16:creationId xmlns:a16="http://schemas.microsoft.com/office/drawing/2014/main" id="{7E8032E5-DA34-4845-9672-8C6411E023F3}"/>
+              </a:ext>
+            </a:extLst>
+          </p:cNvPr>
+          <p:cNvPicPr>
+            <a:picLocks noChangeAspect="1"/>
+          </p:cNvPicPr>
+          <p:nvPr/>
+        </p:nvPicPr>
+        <p:blipFill>
+          <a:blip r:embed="rId2">
+            <a:extLst>
+              <a:ext uri="{28A0092B-C50C-407E-A947-70E740481C1C}">
+                <a14:useLocalDpi xmlns:a14="http://schemas.microsoft.com/office/drawing/2010/main" val="0"/>
+              </a:ext>
+              <a:ext uri="{96DAC541-7B7A-43D3-8B79-37D633B846F1}">
+                <asvg:svgBlip xmlns:asvg="http://schemas.microsoft.com/office/drawing/2016/SVG/main" r:embed="rId3"/>
+              </a:ext>
+            </a:extLst>
+          </a:blip>
+          <a:stretch>
+            <a:fillRect/>
+          </a:stretch>
+        </p:blipFill>
+        <p:spPr>
+          <a:xfrm>
+            <a:off x="6371612" y="3454042"/>
+            <a:ext cx="650043" cy="650043"/>
+          </a:xfrm>
+          <a:prstGeom prst="rect">
+            <a:avLst/>
+          </a:prstGeom>
+        </p:spPr>
+      </p:pic>
+      <p:pic>
+        <p:nvPicPr>
+          <p:cNvPr id="13" name="Grafik 12" descr="Geld">
+            <a:extLst>
+              <a:ext uri="{FF2B5EF4-FFF2-40B4-BE49-F238E27FC236}">
+                <a16:creationId xmlns:a16="http://schemas.microsoft.com/office/drawing/2014/main" id="{156D09EC-6872-4CB9-A5C3-E5987C8675C0}"/>
+              </a:ext>
+            </a:extLst>
+          </p:cNvPr>
+          <p:cNvPicPr>
+            <a:picLocks noChangeAspect="1"/>
+          </p:cNvPicPr>
+          <p:nvPr/>
+        </p:nvPicPr>
+        <p:blipFill>
+          <a:blip r:embed="rId4">
+            <a:extLst>
+              <a:ext uri="{28A0092B-C50C-407E-A947-70E740481C1C}">
+                <a14:useLocalDpi xmlns:a14="http://schemas.microsoft.com/office/drawing/2010/main" val="0"/>
+              </a:ext>
+              <a:ext uri="{96DAC541-7B7A-43D3-8B79-37D633B846F1}">
+                <asvg:svgBlip xmlns:asvg="http://schemas.microsoft.com/office/drawing/2016/SVG/main" r:embed="rId5"/>
+              </a:ext>
+            </a:extLst>
+          </a:blip>
+          <a:stretch>
+            <a:fillRect/>
+          </a:stretch>
+        </p:blipFill>
+        <p:spPr>
+          <a:xfrm>
+            <a:off x="6371612" y="2390102"/>
+            <a:ext cx="650043" cy="650043"/>
+          </a:xfrm>
+          <a:prstGeom prst="rect">
+            <a:avLst/>
+          </a:prstGeom>
+        </p:spPr>
+      </p:pic>
+      <p:pic>
+        <p:nvPicPr>
+          <p:cNvPr id="14" name="Grafik 13" descr="Smartphone">
+            <a:extLst>
+              <a:ext uri="{FF2B5EF4-FFF2-40B4-BE49-F238E27FC236}">
+                <a16:creationId xmlns:a16="http://schemas.microsoft.com/office/drawing/2014/main" id="{946ADE14-26CB-4EA4-9033-BE9218A119EB}"/>
+              </a:ext>
+            </a:extLst>
+          </p:cNvPr>
+          <p:cNvPicPr>
+            <a:picLocks noChangeAspect="1"/>
+          </p:cNvPicPr>
+          <p:nvPr/>
+        </p:nvPicPr>
+        <p:blipFill>
+          <a:blip r:embed="rId6">
+            <a:extLst>
+              <a:ext uri="{28A0092B-C50C-407E-A947-70E740481C1C}">
+                <a14:useLocalDpi xmlns:a14="http://schemas.microsoft.com/office/drawing/2010/main" val="0"/>
+              </a:ext>
+              <a:ext uri="{96DAC541-7B7A-43D3-8B79-37D633B846F1}">
+                <asvg:svgBlip xmlns:asvg="http://schemas.microsoft.com/office/drawing/2016/SVG/main" r:embed="rId7"/>
+              </a:ext>
+            </a:extLst>
+          </a:blip>
+          <a:stretch>
+            <a:fillRect/>
+          </a:stretch>
+        </p:blipFill>
+        <p:spPr>
+          <a:xfrm>
+            <a:off x="2384040" y="2450945"/>
+            <a:ext cx="560496" cy="560496"/>
+          </a:xfrm>
+          <a:prstGeom prst="rect">
+            <a:avLst/>
+          </a:prstGeom>
+        </p:spPr>
+      </p:pic>
+      <p:pic>
+        <p:nvPicPr>
+          <p:cNvPr id="16" name="Grafik 15" descr="Insekt unter Lupe">
+            <a:extLst>
+              <a:ext uri="{FF2B5EF4-FFF2-40B4-BE49-F238E27FC236}">
+                <a16:creationId xmlns:a16="http://schemas.microsoft.com/office/drawing/2014/main" id="{9740AA0C-7E70-4EC1-9C43-46A1913AFDE1}"/>
+              </a:ext>
+            </a:extLst>
+          </p:cNvPr>
+          <p:cNvPicPr>
+            <a:picLocks noChangeAspect="1"/>
+          </p:cNvPicPr>
+          <p:nvPr/>
+        </p:nvPicPr>
+        <p:blipFill>
+          <a:blip r:embed="rId8">
+            <a:extLst>
+              <a:ext uri="{28A0092B-C50C-407E-A947-70E740481C1C}">
+                <a14:useLocalDpi xmlns:a14="http://schemas.microsoft.com/office/drawing/2010/main" val="0"/>
+              </a:ext>
+              <a:ext uri="{96DAC541-7B7A-43D3-8B79-37D633B846F1}">
+                <asvg:svgBlip xmlns:asvg="http://schemas.microsoft.com/office/drawing/2016/SVG/main" r:embed="rId9"/>
+              </a:ext>
+            </a:extLst>
+          </a:blip>
+          <a:stretch>
+            <a:fillRect/>
+          </a:stretch>
+        </p:blipFill>
+        <p:spPr>
+          <a:xfrm>
+            <a:off x="2384040" y="3571431"/>
+            <a:ext cx="518719" cy="518719"/>
+          </a:xfrm>
+          <a:prstGeom prst="rect">
+            <a:avLst/>
+          </a:prstGeom>
+        </p:spPr>
+      </p:pic>
+    </p:spTree>
+    <p:extLst>
+      <p:ext uri="{BB962C8B-B14F-4D97-AF65-F5344CB8AC3E}">
+        <p14:creationId xmlns:p14="http://schemas.microsoft.com/office/powerpoint/2010/main" val="125580750"/>
+      </p:ext>
+    </p:extLst>
+  </p:cSld>
+  <p:clrMapOvr>
+    <a:masterClrMapping/>
+  </p:clrMapOvr>
+</p:sld>
+</file>
+
+<file path=ppt/slides/slide5.xml><?xml version="1.0" encoding="utf-8"?>
+<p:sld xmlns:a="http://schemas.openxmlformats.org/drawingml/2006/main" xmlns:r="http://schemas.openxmlformats.org/officeDocument/2006/relationships" xmlns:p="http://schemas.openxmlformats.org/presentationml/2006/main">
+  <p:cSld>
+    <p:spTree>
+      <p:nvGrpSpPr>
+        <p:cNvPr id="1" name=""/>
+        <p:cNvGrpSpPr/>
+        <p:nvPr/>
+      </p:nvGrpSpPr>
+      <p:grpSpPr>
+        <a:xfrm>
+          <a:off x="0" y="0"/>
+          <a:ext cx="0" cy="0"/>
+          <a:chOff x="0" y="0"/>
+          <a:chExt cx="0" cy="0"/>
+        </a:xfrm>
+      </p:grpSpPr>
+      <p:sp>
+        <p:nvSpPr>
+          <p:cNvPr id="2" name="Titel 1">
+            <a:extLst>
+              <a:ext uri="{FF2B5EF4-FFF2-40B4-BE49-F238E27FC236}">
+                <a16:creationId xmlns:a16="http://schemas.microsoft.com/office/drawing/2014/main" id="{326583CF-61E1-40B7-8DC5-42AA7EC29523}"/>
+              </a:ext>
+            </a:extLst>
+          </p:cNvPr>
+          <p:cNvSpPr>
+            <a:spLocks noGrp="1"/>
+          </p:cNvSpPr>
+          <p:nvPr>
+            <p:ph type="title"/>
+          </p:nvPr>
+        </p:nvSpPr>
+        <p:spPr/>
+        <p:txBody>
+          <a:bodyPr/>
+          <a:lstStyle/>
+          <a:p>
+            <a:r>
+              <a:rPr lang="de-DE" dirty="0"/>
+              <a:t>New Entry</a:t>
+            </a:r>
+          </a:p>
+        </p:txBody>
+      </p:sp>
+      <p:sp>
+        <p:nvSpPr>
+          <p:cNvPr id="5" name="Fußzeilenplatzhalter 4">
+            <a:extLst>
+              <a:ext uri="{FF2B5EF4-FFF2-40B4-BE49-F238E27FC236}">
+                <a16:creationId xmlns:a16="http://schemas.microsoft.com/office/drawing/2014/main" id="{BAF9471C-E48D-4E21-A158-7C35C182BC0E}"/>
+              </a:ext>
+            </a:extLst>
+          </p:cNvPr>
+          <p:cNvSpPr>
+            <a:spLocks noGrp="1"/>
+          </p:cNvSpPr>
+          <p:nvPr>
+            <p:ph type="ftr" sz="quarter" idx="11"/>
+          </p:nvPr>
+        </p:nvSpPr>
+        <p:spPr/>
+        <p:txBody>
+          <a:bodyPr/>
+          <a:lstStyle/>
+          <a:p>
+            <a:r>
+              <a:rPr lang="de-DE" dirty="0"/>
+              <a:t>HOW</a:t>
+            </a:r>
+          </a:p>
+        </p:txBody>
+      </p:sp>
+      <p:sp>
+        <p:nvSpPr>
+          <p:cNvPr id="6" name="Foliennummernplatzhalter 5">
+            <a:extLst>
+              <a:ext uri="{FF2B5EF4-FFF2-40B4-BE49-F238E27FC236}">
+                <a16:creationId xmlns:a16="http://schemas.microsoft.com/office/drawing/2014/main" id="{4E9FA3DA-7A86-497B-9B2D-442B55C57988}"/>
+              </a:ext>
+            </a:extLst>
+          </p:cNvPr>
+          <p:cNvSpPr>
+            <a:spLocks noGrp="1"/>
+          </p:cNvSpPr>
+          <p:nvPr>
+            <p:ph type="sldNum" sz="quarter" idx="12"/>
+          </p:nvPr>
+        </p:nvSpPr>
+        <p:spPr/>
+        <p:txBody>
+          <a:bodyPr/>
+          <a:lstStyle/>
+          <a:p>
+            <a:fld id="{A1619061-48AD-4540-8BAC-2E2ACF1ABA55}" type="slidenum">
+              <a:rPr lang="de-DE" smtClean="0"/>
+              <a:t>5</a:t>
             </a:fld>
             <a:endParaRPr lang="de-DE"/>
           </a:p>
@@ -5474,7 +6200,7 @@
 </p:sld>
 </file>
 
-<file path=ppt/slides/slide5.xml><?xml version="1.0" encoding="utf-8"?>
+<file path=ppt/slides/slide6.xml><?xml version="1.0" encoding="utf-8"?>
 <p:sld xmlns:a="http://schemas.openxmlformats.org/drawingml/2006/main" xmlns:r="http://schemas.openxmlformats.org/officeDocument/2006/relationships" xmlns:p="http://schemas.openxmlformats.org/presentationml/2006/main">
   <p:cSld>
     <p:spTree>
@@ -5513,27 +6239,11 @@
           <a:lstStyle/>
           <a:p>
             <a:r>
-              <a:rPr lang="de-DE" dirty="0">
-                <a:solidFill>
-                  <a:srgbClr val="80CDEC"/>
-                </a:solidFill>
-              </a:rPr>
-              <a:t>System – </a:t>
-            </a:r>
-            <a:r>
-              <a:rPr lang="de-DE" dirty="0" err="1">
-                <a:solidFill>
-                  <a:srgbClr val="80CDEC"/>
-                </a:solidFill>
-              </a:rPr>
+              <a:rPr lang="de-DE" dirty="0" err="1"/>
               <a:t>Saved</a:t>
             </a:r>
             <a:r>
-              <a:rPr lang="de-DE" dirty="0">
-                <a:solidFill>
-                  <a:srgbClr val="80CDEC"/>
-                </a:solidFill>
-              </a:rPr>
+              <a:rPr lang="de-DE" dirty="0"/>
               <a:t> Data</a:t>
             </a:r>
           </a:p>
@@ -5590,7 +6300,7 @@
           <a:p>
             <a:fld id="{A1619061-48AD-4540-8BAC-2E2ACF1ABA55}" type="slidenum">
               <a:rPr lang="de-DE" smtClean="0"/>
-              <a:t>5</a:t>
+              <a:t>6</a:t>
             </a:fld>
             <a:endParaRPr lang="de-DE"/>
           </a:p>
@@ -5619,9 +6329,7 @@
           <a:noFill/>
           <a:ln>
             <a:solidFill>
-              <a:schemeClr val="bg1">
-                <a:lumMod val="65000"/>
-              </a:schemeClr>
+              <a:srgbClr val="BC1200"/>
             </a:solidFill>
           </a:ln>
         </p:spPr>
@@ -5649,9 +6357,7 @@
             <a:r>
               <a:rPr lang="en-US" dirty="0">
                 <a:solidFill>
-                  <a:schemeClr val="bg1">
-                    <a:lumMod val="65000"/>
-                  </a:schemeClr>
+                  <a:srgbClr val="BC1200"/>
                 </a:solidFill>
               </a:rPr>
               <a:t>Unique user ID</a:t>
@@ -5939,7 +6645,7 @@
 </p:sld>
 </file>
 
-<file path=ppt/slides/slide6.xml><?xml version="1.0" encoding="utf-8"?>
+<file path=ppt/slides/slide7.xml><?xml version="1.0" encoding="utf-8"?>
 <p:sld xmlns:a="http://schemas.openxmlformats.org/drawingml/2006/main" xmlns:r="http://schemas.openxmlformats.org/officeDocument/2006/relationships" xmlns:p="http://schemas.openxmlformats.org/presentationml/2006/main">
   <p:cSld>
     <p:spTree>
@@ -5978,12 +6684,8 @@
           <a:lstStyle/>
           <a:p>
             <a:r>
-              <a:rPr lang="de-DE" dirty="0">
-                <a:solidFill>
-                  <a:srgbClr val="80CDEC"/>
-                </a:solidFill>
-              </a:rPr>
-              <a:t>System – Report Case</a:t>
+              <a:rPr lang="de-DE" dirty="0"/>
+              <a:t>Report Case</a:t>
             </a:r>
           </a:p>
         </p:txBody>
@@ -6039,7 +6741,7 @@
           <a:p>
             <a:fld id="{A1619061-48AD-4540-8BAC-2E2ACF1ABA55}" type="slidenum">
               <a:rPr lang="de-DE" smtClean="0"/>
-              <a:t>6</a:t>
+              <a:t>7</a:t>
             </a:fld>
             <a:endParaRPr lang="de-DE"/>
           </a:p>
@@ -6710,7 +7412,7 @@
 </p:sld>
 </file>
 
-<file path=ppt/slides/slide7.xml><?xml version="1.0" encoding="utf-8"?>
+<file path=ppt/slides/slide8.xml><?xml version="1.0" encoding="utf-8"?>
 <p:sld xmlns:a="http://schemas.openxmlformats.org/drawingml/2006/main" xmlns:r="http://schemas.openxmlformats.org/officeDocument/2006/relationships" xmlns:p="http://schemas.openxmlformats.org/presentationml/2006/main">
   <p:cSld>
     <p:spTree>
@@ -6749,11 +7451,7 @@
           <a:lstStyle/>
           <a:p>
             <a:r>
-              <a:rPr lang="en-US" dirty="0">
-                <a:solidFill>
-                  <a:srgbClr val="80CDEC"/>
-                </a:solidFill>
-              </a:rPr>
+              <a:rPr lang="en-US" dirty="0"/>
               <a:t>Our Team</a:t>
             </a:r>
           </a:p>
@@ -6810,7 +7508,7 @@
           <a:p>
             <a:fld id="{A1619061-48AD-4540-8BAC-2E2ACF1ABA55}" type="slidenum">
               <a:rPr lang="de-DE" smtClean="0"/>
-              <a:t>7</a:t>
+              <a:t>8</a:t>
             </a:fld>
             <a:endParaRPr lang="de-DE"/>
           </a:p>
@@ -6830,8 +7528,8 @@
         </p:nvGrpSpPr>
         <p:grpSpPr>
           <a:xfrm>
-            <a:off x="5547235" y="1027906"/>
-            <a:ext cx="5387465" cy="4384013"/>
+            <a:off x="6096000" y="1506080"/>
+            <a:ext cx="5188241" cy="4055822"/>
             <a:chOff x="2026663" y="1530767"/>
             <a:chExt cx="5387465" cy="4384013"/>
           </a:xfrm>
@@ -6923,7 +7621,7 @@
               <p:nvPr/>
             </p:nvPicPr>
             <p:blipFill>
-              <a:blip r:embed="rId3" cstate="print">
+              <a:blip r:embed="rId2" cstate="print">
                 <a:extLst>
                   <a:ext uri="{28A0092B-C50C-407E-A947-70E740481C1C}">
                     <a14:useLocalDpi xmlns:a14="http://schemas.microsoft.com/office/drawing/2010/main" val="0"/>
@@ -7083,13 +7781,13 @@
               <p:nvPr/>
             </p:nvPicPr>
             <p:blipFill>
-              <a:blip r:embed="rId4">
+              <a:blip r:embed="rId3">
                 <a:extLst>
                   <a:ext uri="{28A0092B-C50C-407E-A947-70E740481C1C}">
                     <a14:useLocalDpi xmlns:a14="http://schemas.microsoft.com/office/drawing/2010/main" val="0"/>
                   </a:ext>
                   <a:ext uri="{96DAC541-7B7A-43D3-8B79-37D633B846F1}">
-                    <asvg:svgBlip xmlns:asvg="http://schemas.microsoft.com/office/drawing/2016/SVG/main" r:embed="rId5"/>
+                    <asvg:svgBlip xmlns:asvg="http://schemas.microsoft.com/office/drawing/2016/SVG/main" r:embed="rId4"/>
                   </a:ext>
                 </a:extLst>
               </a:blip>
@@ -7201,9 +7899,7 @@
               <a:noFill/>
               <a:ln>
                 <a:solidFill>
-                  <a:schemeClr val="bg1">
-                    <a:lumMod val="65000"/>
-                  </a:schemeClr>
+                  <a:srgbClr val="BC1200"/>
                 </a:solidFill>
               </a:ln>
             </p:spPr>
@@ -7245,7 +7941,7 @@
               <p:nvPr/>
             </p:nvPicPr>
             <p:blipFill>
-              <a:blip r:embed="rId6">
+              <a:blip r:embed="rId5">
                 <a:extLst>
                   <a:ext uri="{28A0092B-C50C-407E-A947-70E740481C1C}">
                     <a14:useLocalDpi xmlns:a14="http://schemas.microsoft.com/office/drawing/2010/main" val="0"/>
@@ -7404,7 +8100,7 @@
               <p:nvPr/>
             </p:nvPicPr>
             <p:blipFill>
-              <a:blip r:embed="rId7">
+              <a:blip r:embed="rId6">
                 <a:extLst>
                   <a:ext uri="{28A0092B-C50C-407E-A947-70E740481C1C}">
                     <a14:useLocalDpi xmlns:a14="http://schemas.microsoft.com/office/drawing/2010/main" val="0"/>
@@ -7570,13 +8266,13 @@
               <p:nvPr/>
             </p:nvPicPr>
             <p:blipFill>
-              <a:blip r:embed="rId4">
+              <a:blip r:embed="rId3">
                 <a:extLst>
                   <a:ext uri="{28A0092B-C50C-407E-A947-70E740481C1C}">
                     <a14:useLocalDpi xmlns:a14="http://schemas.microsoft.com/office/drawing/2010/main" val="0"/>
                   </a:ext>
                   <a:ext uri="{96DAC541-7B7A-43D3-8B79-37D633B846F1}">
-                    <asvg:svgBlip xmlns:asvg="http://schemas.microsoft.com/office/drawing/2016/SVG/main" r:embed="rId5"/>
+                    <asvg:svgBlip xmlns:asvg="http://schemas.microsoft.com/office/drawing/2016/SVG/main" r:embed="rId4"/>
                   </a:ext>
                 </a:extLst>
               </a:blip>
@@ -7732,13 +8428,13 @@
               <p:nvPr/>
             </p:nvPicPr>
             <p:blipFill>
-              <a:blip r:embed="rId4">
+              <a:blip r:embed="rId3">
                 <a:extLst>
                   <a:ext uri="{28A0092B-C50C-407E-A947-70E740481C1C}">
                     <a14:useLocalDpi xmlns:a14="http://schemas.microsoft.com/office/drawing/2010/main" val="0"/>
                   </a:ext>
                   <a:ext uri="{96DAC541-7B7A-43D3-8B79-37D633B846F1}">
-                    <asvg:svgBlip xmlns:asvg="http://schemas.microsoft.com/office/drawing/2016/SVG/main" r:embed="rId5"/>
+                    <asvg:svgBlip xmlns:asvg="http://schemas.microsoft.com/office/drawing/2016/SVG/main" r:embed="rId4"/>
                   </a:ext>
                 </a:extLst>
               </a:blip>
@@ -7818,6 +8514,259 @@
             </p:txBody>
           </p:sp>
         </p:grpSp>
+      </p:grpSp>
+      <p:grpSp>
+        <p:nvGrpSpPr>
+          <p:cNvPr id="3" name="Gruppieren 2">
+            <a:extLst>
+              <a:ext uri="{FF2B5EF4-FFF2-40B4-BE49-F238E27FC236}">
+                <a16:creationId xmlns:a16="http://schemas.microsoft.com/office/drawing/2014/main" id="{8BF5DADA-6159-43C6-ADF6-193EE975B5EA}"/>
+              </a:ext>
+            </a:extLst>
+          </p:cNvPr>
+          <p:cNvGrpSpPr/>
+          <p:nvPr/>
+        </p:nvGrpSpPr>
+        <p:grpSpPr>
+          <a:xfrm>
+            <a:off x="1589900" y="2633519"/>
+            <a:ext cx="3069336" cy="658368"/>
+            <a:chOff x="1276133" y="2201228"/>
+            <a:chExt cx="3069336" cy="658368"/>
+          </a:xfrm>
+        </p:grpSpPr>
+        <p:sp>
+          <p:nvSpPr>
+            <p:cNvPr id="30" name="Rechteck: abgerundete Ecken 29">
+              <a:extLst>
+                <a:ext uri="{FF2B5EF4-FFF2-40B4-BE49-F238E27FC236}">
+                  <a16:creationId xmlns:a16="http://schemas.microsoft.com/office/drawing/2014/main" id="{96507591-6664-4D28-9B1C-F4EE006AC4FD}"/>
+                </a:ext>
+              </a:extLst>
+            </p:cNvPr>
+            <p:cNvSpPr/>
+            <p:nvPr/>
+          </p:nvSpPr>
+          <p:spPr>
+            <a:xfrm>
+              <a:off x="1276133" y="2201228"/>
+              <a:ext cx="3069336" cy="658368"/>
+            </a:xfrm>
+            <a:prstGeom prst="roundRect">
+              <a:avLst/>
+            </a:prstGeom>
+            <a:noFill/>
+            <a:ln>
+              <a:solidFill>
+                <a:schemeClr val="bg1">
+                  <a:lumMod val="65000"/>
+                </a:schemeClr>
+              </a:solidFill>
+            </a:ln>
+          </p:spPr>
+          <p:style>
+            <a:lnRef idx="2">
+              <a:schemeClr val="accent1">
+                <a:shade val="50000"/>
+              </a:schemeClr>
+            </a:lnRef>
+            <a:fillRef idx="1">
+              <a:schemeClr val="accent1"/>
+            </a:fillRef>
+            <a:effectRef idx="0">
+              <a:schemeClr val="accent1"/>
+            </a:effectRef>
+            <a:fontRef idx="minor">
+              <a:schemeClr val="lt1"/>
+            </a:fontRef>
+          </p:style>
+          <p:txBody>
+            <a:bodyPr rtlCol="0" anchor="ctr"/>
+            <a:lstStyle/>
+            <a:p>
+              <a:pPr algn="r"/>
+              <a:r>
+                <a:rPr lang="en-US" sz="1600" dirty="0">
+                  <a:solidFill>
+                    <a:schemeClr val="bg1">
+                      <a:lumMod val="65000"/>
+                    </a:schemeClr>
+                  </a:solidFill>
+                </a:rPr>
+                <a:t>lukas_benner@outlook.de</a:t>
+              </a:r>
+            </a:p>
+          </p:txBody>
+        </p:sp>
+        <p:pic>
+          <p:nvPicPr>
+            <p:cNvPr id="51" name="Grafik 50" descr="E-Mail">
+              <a:extLst>
+                <a:ext uri="{FF2B5EF4-FFF2-40B4-BE49-F238E27FC236}">
+                  <a16:creationId xmlns:a16="http://schemas.microsoft.com/office/drawing/2014/main" id="{332B5B35-4E7D-4360-8404-5424D07F2D5F}"/>
+                </a:ext>
+              </a:extLst>
+            </p:cNvPr>
+            <p:cNvPicPr>
+              <a:picLocks noChangeAspect="1"/>
+            </p:cNvPicPr>
+            <p:nvPr/>
+          </p:nvPicPr>
+          <p:blipFill>
+            <a:blip r:embed="rId7">
+              <a:extLst>
+                <a:ext uri="{28A0092B-C50C-407E-A947-70E740481C1C}">
+                  <a14:useLocalDpi xmlns:a14="http://schemas.microsoft.com/office/drawing/2010/main" val="0"/>
+                </a:ext>
+                <a:ext uri="{96DAC541-7B7A-43D3-8B79-37D633B846F1}">
+                  <asvg:svgBlip xmlns:asvg="http://schemas.microsoft.com/office/drawing/2016/SVG/main" r:embed="rId8"/>
+                </a:ext>
+              </a:extLst>
+            </a:blip>
+            <a:srcRect/>
+            <a:stretch/>
+          </p:blipFill>
+          <p:spPr>
+            <a:xfrm>
+              <a:off x="1393580" y="2237676"/>
+              <a:ext cx="560496" cy="560496"/>
+            </a:xfrm>
+            <a:prstGeom prst="rect">
+              <a:avLst/>
+            </a:prstGeom>
+          </p:spPr>
+        </p:pic>
+      </p:grpSp>
+      <p:grpSp>
+        <p:nvGrpSpPr>
+          <p:cNvPr id="52" name="Gruppieren 51">
+            <a:extLst>
+              <a:ext uri="{FF2B5EF4-FFF2-40B4-BE49-F238E27FC236}">
+                <a16:creationId xmlns:a16="http://schemas.microsoft.com/office/drawing/2014/main" id="{22C6674E-B746-4663-B5BE-E275DF8EF89A}"/>
+              </a:ext>
+            </a:extLst>
+          </p:cNvPr>
+          <p:cNvGrpSpPr/>
+          <p:nvPr/>
+        </p:nvGrpSpPr>
+        <p:grpSpPr>
+          <a:xfrm>
+            <a:off x="1589900" y="3752019"/>
+            <a:ext cx="3069336" cy="658368"/>
+            <a:chOff x="1276133" y="2201228"/>
+            <a:chExt cx="3069336" cy="658368"/>
+          </a:xfrm>
+        </p:grpSpPr>
+        <p:sp>
+          <p:nvSpPr>
+            <p:cNvPr id="53" name="Rechteck: abgerundete Ecken 52">
+              <a:extLst>
+                <a:ext uri="{FF2B5EF4-FFF2-40B4-BE49-F238E27FC236}">
+                  <a16:creationId xmlns:a16="http://schemas.microsoft.com/office/drawing/2014/main" id="{1A01D694-2669-4E3C-8353-C6FEE4F01043}"/>
+                </a:ext>
+              </a:extLst>
+            </p:cNvPr>
+            <p:cNvSpPr/>
+            <p:nvPr/>
+          </p:nvSpPr>
+          <p:spPr>
+            <a:xfrm>
+              <a:off x="1276133" y="2201228"/>
+              <a:ext cx="3069336" cy="658368"/>
+            </a:xfrm>
+            <a:prstGeom prst="roundRect">
+              <a:avLst/>
+            </a:prstGeom>
+            <a:noFill/>
+            <a:ln>
+              <a:solidFill>
+                <a:schemeClr val="bg1">
+                  <a:lumMod val="65000"/>
+                </a:schemeClr>
+              </a:solidFill>
+            </a:ln>
+          </p:spPr>
+          <p:style>
+            <a:lnRef idx="2">
+              <a:schemeClr val="accent1">
+                <a:shade val="50000"/>
+              </a:schemeClr>
+            </a:lnRef>
+            <a:fillRef idx="1">
+              <a:schemeClr val="accent1"/>
+            </a:fillRef>
+            <a:effectRef idx="0">
+              <a:schemeClr val="accent1"/>
+            </a:effectRef>
+            <a:fontRef idx="minor">
+              <a:schemeClr val="lt1"/>
+            </a:fontRef>
+          </p:style>
+          <p:txBody>
+            <a:bodyPr rtlCol="0" anchor="ctr"/>
+            <a:lstStyle/>
+            <a:p>
+              <a:pPr algn="r"/>
+              <a:r>
+                <a:rPr lang="en-US" sz="1400" dirty="0">
+                  <a:solidFill>
+                    <a:schemeClr val="bg1">
+                      <a:lumMod val="65000"/>
+                    </a:schemeClr>
+                  </a:solidFill>
+                </a:rPr>
+                <a:t>linkedin.com/in/lukasbenner/</a:t>
+              </a:r>
+            </a:p>
+          </p:txBody>
+        </p:sp>
+        <p:pic>
+          <p:nvPicPr>
+            <p:cNvPr id="54" name="Grafik 53">
+              <a:extLst>
+                <a:ext uri="{FF2B5EF4-FFF2-40B4-BE49-F238E27FC236}">
+                  <a16:creationId xmlns:a16="http://schemas.microsoft.com/office/drawing/2014/main" id="{AD571ACE-3761-419C-8A51-A47EE3588006}"/>
+                </a:ext>
+              </a:extLst>
+            </p:cNvPr>
+            <p:cNvPicPr>
+              <a:picLocks noChangeAspect="1"/>
+            </p:cNvPicPr>
+            <p:nvPr/>
+          </p:nvPicPr>
+          <p:blipFill>
+            <a:blip r:embed="rId9">
+              <a:extLst>
+                <a:ext uri="{BEBA8EAE-BF5A-486C-A8C5-ECC9F3942E4B}">
+                  <a14:imgProps xmlns:a14="http://schemas.microsoft.com/office/drawing/2010/main">
+                    <a14:imgLayer r:embed="rId10">
+                      <a14:imgEffect>
+                        <a14:saturation sat="0"/>
+                      </a14:imgEffect>
+                    </a14:imgLayer>
+                  </a14:imgProps>
+                </a:ext>
+                <a:ext uri="{28A0092B-C50C-407E-A947-70E740481C1C}">
+                  <a14:useLocalDpi xmlns:a14="http://schemas.microsoft.com/office/drawing/2010/main" val="0"/>
+                </a:ext>
+                <a:ext uri="{837473B0-CC2E-450A-ABE3-18F120FF3D39}">
+                  <a1611:picAttrSrcUrl xmlns:a1611="http://schemas.microsoft.com/office/drawing/2016/11/main" r:id="rId11"/>
+                </a:ext>
+              </a:extLst>
+            </a:blip>
+            <a:srcRect/>
+            <a:stretch/>
+          </p:blipFill>
+          <p:spPr>
+            <a:xfrm>
+              <a:off x="1393580" y="2277333"/>
+              <a:ext cx="491791" cy="490514"/>
+            </a:xfrm>
+            <a:prstGeom prst="rect">
+              <a:avLst/>
+            </a:prstGeom>
+          </p:spPr>
+        </p:pic>
       </p:grpSp>
     </p:spTree>
     <p:extLst>

--- a/business/Tracer.pptx
+++ b/business/Tracer.pptx
@@ -4548,6 +4548,8 @@
                     <a:lumMod val="65000"/>
                   </a:schemeClr>
                 </a:solidFill>
+                <a:latin typeface="Roboto Thin" panose="02000000000000000000" pitchFamily="2" charset="0"/>
+                <a:ea typeface="Roboto Thin" panose="02000000000000000000" pitchFamily="2" charset="0"/>
               </a:rPr>
               <a:t>Private</a:t>
             </a:r>
@@ -4611,6 +4613,8 @@
                     <a:lumMod val="65000"/>
                   </a:schemeClr>
                 </a:solidFill>
+                <a:latin typeface="Roboto Thin" panose="02000000000000000000" pitchFamily="2" charset="0"/>
+                <a:ea typeface="Roboto Thin" panose="02000000000000000000" pitchFamily="2" charset="0"/>
               </a:rPr>
               <a:t>Easy to use</a:t>
             </a:r>
@@ -4674,6 +4678,8 @@
                     <a:lumMod val="65000"/>
                   </a:schemeClr>
                 </a:solidFill>
+                <a:latin typeface="Roboto Thin" panose="02000000000000000000" pitchFamily="2" charset="0"/>
+                <a:ea typeface="Roboto Thin" panose="02000000000000000000" pitchFamily="2" charset="0"/>
               </a:rPr>
               <a:t>Inexpensive to implement</a:t>
             </a:r>
@@ -5008,6 +5014,8 @@
                     <a:lumMod val="65000"/>
                   </a:schemeClr>
                 </a:solidFill>
+                <a:latin typeface="Roboto Thin" panose="02000000000000000000" pitchFamily="2" charset="0"/>
+                <a:ea typeface="Roboto Thin" panose="02000000000000000000" pitchFamily="2" charset="0"/>
               </a:rPr>
               <a:t>Open Source</a:t>
             </a:r>
@@ -5071,6 +5079,8 @@
                     <a:lumMod val="65000"/>
                   </a:schemeClr>
                 </a:solidFill>
+                <a:latin typeface="Roboto Thin" panose="02000000000000000000" pitchFamily="2" charset="0"/>
+                <a:ea typeface="Roboto Thin" panose="02000000000000000000" pitchFamily="2" charset="0"/>
               </a:rPr>
               <a:t>Free to use</a:t>
             </a:r>
@@ -5134,6 +5144,8 @@
                     <a:lumMod val="65000"/>
                   </a:schemeClr>
                 </a:solidFill>
+                <a:latin typeface="Roboto Thin" panose="02000000000000000000" pitchFamily="2" charset="0"/>
+                <a:ea typeface="Roboto Thin" panose="02000000000000000000" pitchFamily="2" charset="0"/>
               </a:rPr>
               <a:t>Sponsorship</a:t>
             </a:r>
@@ -5195,6 +5207,8 @@
                     <a:lumMod val="65000"/>
                   </a:schemeClr>
                 </a:solidFill>
+                <a:latin typeface="Roboto Thin" panose="02000000000000000000" pitchFamily="2" charset="0"/>
+                <a:ea typeface="Roboto Thin" panose="02000000000000000000" pitchFamily="2" charset="0"/>
               </a:rPr>
               <a:t>Value: Open stores</a:t>
             </a:r>
@@ -5529,6 +5543,8 @@
                     <a:lumMod val="65000"/>
                   </a:schemeClr>
                 </a:solidFill>
+                <a:latin typeface="Roboto Thin" panose="02000000000000000000" pitchFamily="2" charset="0"/>
+                <a:ea typeface="Roboto Thin" panose="02000000000000000000" pitchFamily="2" charset="0"/>
               </a:rPr>
               <a:t>Unique user ID</a:t>
             </a:r>
@@ -5550,7 +5566,7 @@
         <p:spPr>
           <a:xfrm>
             <a:off x="6224925" y="4523991"/>
-            <a:ext cx="1355255" cy="365126"/>
+            <a:ext cx="1534412" cy="365126"/>
           </a:xfrm>
           <a:prstGeom prst="roundRect">
             <a:avLst/>
@@ -5592,6 +5608,8 @@
                     <a:lumMod val="65000"/>
                   </a:schemeClr>
                 </a:solidFill>
+                <a:latin typeface="Roboto Thin" panose="02000000000000000000" pitchFamily="2" charset="0"/>
+                <a:ea typeface="Roboto Thin" panose="02000000000000000000" pitchFamily="2" charset="0"/>
               </a:rPr>
               <a:t>Timestamp</a:t>
             </a:r>
@@ -5613,7 +5631,7 @@
         <p:spPr>
           <a:xfrm>
             <a:off x="6224925" y="4017481"/>
-            <a:ext cx="1355255" cy="365126"/>
+            <a:ext cx="1534412" cy="365126"/>
           </a:xfrm>
           <a:prstGeom prst="roundRect">
             <a:avLst/>
@@ -5655,6 +5673,8 @@
                     <a:lumMod val="65000"/>
                   </a:schemeClr>
                 </a:solidFill>
+                <a:latin typeface="Roboto Thin" panose="02000000000000000000" pitchFamily="2" charset="0"/>
+                <a:ea typeface="Roboto Thin" panose="02000000000000000000" pitchFamily="2" charset="0"/>
               </a:rPr>
               <a:t>Location ID</a:t>
             </a:r>
@@ -6359,6 +6379,8 @@
                 <a:solidFill>
                   <a:srgbClr val="BC1200"/>
                 </a:solidFill>
+                <a:latin typeface="Roboto Thin" panose="02000000000000000000" pitchFamily="2" charset="0"/>
+                <a:ea typeface="Roboto Thin" panose="02000000000000000000" pitchFamily="2" charset="0"/>
               </a:rPr>
               <a:t>Unique user ID</a:t>
             </a:r>
@@ -6379,8 +6401,8 @@
         </p:nvSpPr>
         <p:spPr>
           <a:xfrm>
-            <a:off x="7339450" y="4690125"/>
-            <a:ext cx="1355255" cy="365126"/>
+            <a:off x="7154818" y="4690125"/>
+            <a:ext cx="1724521" cy="365126"/>
           </a:xfrm>
           <a:prstGeom prst="roundRect">
             <a:avLst/>
@@ -6422,6 +6444,8 @@
                     <a:lumMod val="65000"/>
                   </a:schemeClr>
                 </a:solidFill>
+                <a:latin typeface="Roboto Thin" panose="02000000000000000000" pitchFamily="2" charset="0"/>
+                <a:ea typeface="Roboto Thin" panose="02000000000000000000" pitchFamily="2" charset="0"/>
               </a:rPr>
               <a:t>Timestamp</a:t>
             </a:r>
@@ -6442,8 +6466,8 @@
         </p:nvSpPr>
         <p:spPr>
           <a:xfrm>
-            <a:off x="7339450" y="4224556"/>
-            <a:ext cx="1355255" cy="365126"/>
+            <a:off x="7154818" y="4224556"/>
+            <a:ext cx="1724521" cy="365126"/>
           </a:xfrm>
           <a:prstGeom prst="roundRect">
             <a:avLst/>
@@ -6485,6 +6509,8 @@
                     <a:lumMod val="65000"/>
                   </a:schemeClr>
                 </a:solidFill>
+                <a:latin typeface="Roboto Thin" panose="02000000000000000000" pitchFamily="2" charset="0"/>
+                <a:ea typeface="Roboto Thin" panose="02000000000000000000" pitchFamily="2" charset="0"/>
               </a:rPr>
               <a:t>Location ID</a:t>
             </a:r>
@@ -6626,6 +6652,8 @@
                     <a:lumMod val="65000"/>
                   </a:schemeClr>
                 </a:solidFill>
+                <a:latin typeface="Roboto Thin" panose="02000000000000000000" pitchFamily="2" charset="0"/>
+                <a:ea typeface="Roboto Thin" panose="02000000000000000000" pitchFamily="2" charset="0"/>
               </a:rPr>
               <a:t>Unique user ID</a:t>
             </a:r>
@@ -6824,6 +6852,8 @@
                       <a:lumMod val="65000"/>
                     </a:schemeClr>
                   </a:solidFill>
+                  <a:latin typeface="Roboto Thin" panose="02000000000000000000" pitchFamily="2" charset="0"/>
+                  <a:ea typeface="Roboto Thin" panose="02000000000000000000" pitchFamily="2" charset="0"/>
                 </a:rPr>
                 <a:t>Unique user ID</a:t>
               </a:r>
@@ -6845,7 +6875,7 @@
           <p:spPr>
             <a:xfrm>
               <a:off x="5337955" y="4526562"/>
-              <a:ext cx="1355255" cy="365126"/>
+              <a:ext cx="1534850" cy="365126"/>
             </a:xfrm>
             <a:prstGeom prst="roundRect">
               <a:avLst/>
@@ -6887,6 +6917,8 @@
                       <a:lumMod val="65000"/>
                     </a:schemeClr>
                   </a:solidFill>
+                  <a:latin typeface="Roboto Thin" panose="02000000000000000000" pitchFamily="2" charset="0"/>
+                  <a:ea typeface="Roboto Thin" panose="02000000000000000000" pitchFamily="2" charset="0"/>
                 </a:rPr>
                 <a:t>Timestamp</a:t>
               </a:r>
@@ -6908,7 +6940,7 @@
           <p:spPr>
             <a:xfrm>
               <a:off x="5337956" y="4060192"/>
-              <a:ext cx="1355255" cy="365126"/>
+              <a:ext cx="1534849" cy="365126"/>
             </a:xfrm>
             <a:prstGeom prst="roundRect">
               <a:avLst/>
@@ -6950,6 +6982,8 @@
                       <a:lumMod val="65000"/>
                     </a:schemeClr>
                   </a:solidFill>
+                  <a:latin typeface="Roboto Thin" panose="02000000000000000000" pitchFamily="2" charset="0"/>
+                  <a:ea typeface="Roboto Thin" panose="02000000000000000000" pitchFamily="2" charset="0"/>
                 </a:rPr>
                 <a:t>Location ID</a:t>
               </a:r>
@@ -7353,6 +7387,8 @@
                       <a:lumMod val="65000"/>
                     </a:schemeClr>
                   </a:solidFill>
+                  <a:latin typeface="Roboto Thin" panose="02000000000000000000" pitchFamily="2" charset="0"/>
+                  <a:ea typeface="Roboto Thin" panose="02000000000000000000" pitchFamily="2" charset="0"/>
                 </a:rPr>
                 <a:t>Other unique user IDs</a:t>
               </a:r>
@@ -8586,12 +8622,14 @@
             <a:p>
               <a:pPr algn="r"/>
               <a:r>
-                <a:rPr lang="en-US" sz="1600" dirty="0">
+                <a:rPr lang="en-US" sz="1400" dirty="0">
                   <a:solidFill>
                     <a:schemeClr val="bg1">
                       <a:lumMod val="65000"/>
                     </a:schemeClr>
                   </a:solidFill>
+                  <a:latin typeface="Roboto Thin" panose="02000000000000000000" pitchFamily="2" charset="0"/>
+                  <a:ea typeface="Roboto Thin" panose="02000000000000000000" pitchFamily="2" charset="0"/>
                 </a:rPr>
                 <a:t>lukas_benner@outlook.de</a:t>
               </a:r>
@@ -8714,6 +8752,8 @@
                       <a:lumMod val="65000"/>
                     </a:schemeClr>
                   </a:solidFill>
+                  <a:latin typeface="Roboto Thin" panose="02000000000000000000" pitchFamily="2" charset="0"/>
+                  <a:ea typeface="Roboto Thin" panose="02000000000000000000" pitchFamily="2" charset="0"/>
                 </a:rPr>
                 <a:t>linkedin.com/in/lukasbenner/</a:t>
               </a:r>
@@ -8759,7 +8799,7 @@
           </p:blipFill>
           <p:spPr>
             <a:xfrm>
-              <a:off x="1393580" y="2277333"/>
+              <a:off x="1393580" y="2232300"/>
               <a:ext cx="491791" cy="490514"/>
             </a:xfrm>
             <a:prstGeom prst="rect">

--- a/business/Tracer.pptx
+++ b/business/Tracer.pptx
@@ -204,7 +204,7 @@
           <a:p>
             <a:fld id="{39BC4836-AE22-48DA-8DE7-8001413E471C}" type="datetimeFigureOut">
               <a:rPr lang="de-DE" smtClean="0"/>
-              <a:t>01.12.2020</a:t>
+              <a:t>07.12.2020</a:t>
             </a:fld>
             <a:endParaRPr lang="de-DE"/>
           </a:p>
@@ -626,7 +626,7 @@
           <a:p>
             <a:fld id="{A318366C-B197-46A7-9C15-03B8BAE1F056}" type="datetime1">
               <a:rPr lang="de-DE" smtClean="0"/>
-              <a:t>01.12.2020</a:t>
+              <a:t>07.12.2020</a:t>
             </a:fld>
             <a:endParaRPr lang="de-DE"/>
           </a:p>
@@ -881,7 +881,7 @@
           <a:p>
             <a:fld id="{8CDEA0A5-D141-47C8-9B28-DC1F68C5A91B}" type="datetime1">
               <a:rPr lang="de-DE" smtClean="0"/>
-              <a:t>01.12.2020</a:t>
+              <a:t>07.12.2020</a:t>
             </a:fld>
             <a:endParaRPr lang="de-DE"/>
           </a:p>
@@ -1097,7 +1097,7 @@
           <a:p>
             <a:fld id="{BA78E8ED-7C35-4906-A8D6-61658FB55C1D}" type="datetime1">
               <a:rPr lang="de-DE" smtClean="0"/>
-              <a:t>01.12.2020</a:t>
+              <a:t>07.12.2020</a:t>
             </a:fld>
             <a:endParaRPr lang="de-DE"/>
           </a:p>
@@ -1303,7 +1303,7 @@
           <a:p>
             <a:fld id="{3FEF1105-FE47-4319-9E4D-A2AED12CB221}" type="datetime1">
               <a:rPr lang="de-DE" smtClean="0"/>
-              <a:t>01.12.2020</a:t>
+              <a:t>07.12.2020</a:t>
             </a:fld>
             <a:endParaRPr lang="de-DE"/>
           </a:p>
@@ -1631,7 +1631,7 @@
           <a:p>
             <a:fld id="{AFDFC6D6-6DFE-4086-8E63-4858020EA4A5}" type="datetime1">
               <a:rPr lang="de-DE" smtClean="0"/>
-              <a:t>01.12.2020</a:t>
+              <a:t>07.12.2020</a:t>
             </a:fld>
             <a:endParaRPr lang="de-DE"/>
           </a:p>
@@ -1904,7 +1904,7 @@
           <a:p>
             <a:fld id="{DB062427-870F-4FB3-B4F3-23E6555E6AD2}" type="datetime1">
               <a:rPr lang="de-DE" smtClean="0"/>
-              <a:t>01.12.2020</a:t>
+              <a:t>07.12.2020</a:t>
             </a:fld>
             <a:endParaRPr lang="de-DE"/>
           </a:p>
@@ -2369,7 +2369,7 @@
           <a:p>
             <a:fld id="{37929C20-B4B2-493F-86A3-7158A5BE76C7}" type="datetime1">
               <a:rPr lang="de-DE" smtClean="0"/>
-              <a:t>01.12.2020</a:t>
+              <a:t>07.12.2020</a:t>
             </a:fld>
             <a:endParaRPr lang="de-DE"/>
           </a:p>
@@ -2563,7 +2563,7 @@
           <a:p>
             <a:fld id="{701B39E1-A7C4-4B09-9882-44AC36AEC5A3}" type="datetime1">
               <a:rPr lang="de-DE" smtClean="0"/>
-              <a:t>01.12.2020</a:t>
+              <a:t>07.12.2020</a:t>
             </a:fld>
             <a:endParaRPr lang="de-DE"/>
           </a:p>
@@ -2729,7 +2729,7 @@
           <a:p>
             <a:fld id="{CB109AD5-CF12-4148-9A12-1A3E0B83E9A6}" type="datetime1">
               <a:rPr lang="de-DE" smtClean="0"/>
-              <a:t>01.12.2020</a:t>
+              <a:t>07.12.2020</a:t>
             </a:fld>
             <a:endParaRPr lang="de-DE"/>
           </a:p>
@@ -3048,7 +3048,7 @@
           <a:p>
             <a:fld id="{180B8343-FAAB-4754-A248-52B42DA13C72}" type="datetime1">
               <a:rPr lang="de-DE" smtClean="0"/>
-              <a:t>01.12.2020</a:t>
+              <a:t>07.12.2020</a:t>
             </a:fld>
             <a:endParaRPr lang="de-DE"/>
           </a:p>
@@ -3344,7 +3344,7 @@
           <a:p>
             <a:fld id="{5A17E3EC-AB1A-4B1C-AFC3-D3741F03B974}" type="datetime1">
               <a:rPr lang="de-DE" smtClean="0"/>
-              <a:t>01.12.2020</a:t>
+              <a:t>07.12.2020</a:t>
             </a:fld>
             <a:endParaRPr lang="de-DE"/>
           </a:p>
@@ -7509,7 +7509,12 @@
             <p:ph type="ftr" sz="quarter" idx="11"/>
           </p:nvPr>
         </p:nvSpPr>
-        <p:spPr/>
+        <p:spPr>
+          <a:xfrm>
+            <a:off x="4038600" y="6173707"/>
+            <a:ext cx="4114800" cy="365125"/>
+          </a:xfrm>
+        </p:spPr>
         <p:txBody>
           <a:bodyPr/>
           <a:lstStyle/>
@@ -8123,39 +8128,6 @@
               </a:p>
             </p:txBody>
           </p:sp>
-          <p:pic>
-            <p:nvPicPr>
-              <p:cNvPr id="41" name="Grafik 40">
-                <a:extLst>
-                  <a:ext uri="{FF2B5EF4-FFF2-40B4-BE49-F238E27FC236}">
-                    <a16:creationId xmlns:a16="http://schemas.microsoft.com/office/drawing/2014/main" id="{C1D9AD80-45B5-448F-8284-EC148AA3F235}"/>
-                  </a:ext>
-                </a:extLst>
-              </p:cNvPr>
-              <p:cNvPicPr/>
-              <p:nvPr/>
-            </p:nvPicPr>
-            <p:blipFill>
-              <a:blip r:embed="rId6">
-                <a:extLst>
-                  <a:ext uri="{28A0092B-C50C-407E-A947-70E740481C1C}">
-                    <a14:useLocalDpi xmlns:a14="http://schemas.microsoft.com/office/drawing/2010/main" val="0"/>
-                  </a:ext>
-                </a:extLst>
-              </a:blip>
-              <a:srcRect/>
-              <a:stretch/>
-            </p:blipFill>
-            <p:spPr bwMode="auto">
-              <a:xfrm>
-                <a:off x="1480542" y="2118995"/>
-                <a:ext cx="650795" cy="1156970"/>
-              </a:xfrm>
-              <a:prstGeom prst="rect">
-                <a:avLst/>
-              </a:prstGeom>
-            </p:spPr>
-          </p:pic>
           <p:sp>
             <p:nvSpPr>
               <p:cNvPr id="42" name="Textfeld 41">
@@ -8651,13 +8623,13 @@
             <p:nvPr/>
           </p:nvPicPr>
           <p:blipFill>
-            <a:blip r:embed="rId7">
+            <a:blip r:embed="rId6">
               <a:extLst>
                 <a:ext uri="{28A0092B-C50C-407E-A947-70E740481C1C}">
                   <a14:useLocalDpi xmlns:a14="http://schemas.microsoft.com/office/drawing/2010/main" val="0"/>
                 </a:ext>
                 <a:ext uri="{96DAC541-7B7A-43D3-8B79-37D633B846F1}">
-                  <asvg:svgBlip xmlns:asvg="http://schemas.microsoft.com/office/drawing/2016/SVG/main" r:embed="rId8"/>
+                  <asvg:svgBlip xmlns:asvg="http://schemas.microsoft.com/office/drawing/2016/SVG/main" r:embed="rId7"/>
                 </a:ext>
               </a:extLst>
             </a:blip>
@@ -8775,11 +8747,11 @@
             <p:nvPr/>
           </p:nvPicPr>
           <p:blipFill>
-            <a:blip r:embed="rId9">
+            <a:blip r:embed="rId8">
               <a:extLst>
                 <a:ext uri="{BEBA8EAE-BF5A-486C-A8C5-ECC9F3942E4B}">
                   <a14:imgProps xmlns:a14="http://schemas.microsoft.com/office/drawing/2010/main">
-                    <a14:imgLayer r:embed="rId10">
+                    <a14:imgLayer r:embed="rId9">
                       <a14:imgEffect>
                         <a14:saturation sat="0"/>
                       </a14:imgEffect>
@@ -8790,7 +8762,7 @@
                   <a14:useLocalDpi xmlns:a14="http://schemas.microsoft.com/office/drawing/2010/main" val="0"/>
                 </a:ext>
                 <a:ext uri="{837473B0-CC2E-450A-ABE3-18F120FF3D39}">
-                  <a1611:picAttrSrcUrl xmlns:a1611="http://schemas.microsoft.com/office/drawing/2016/11/main" r:id="rId11"/>
+                  <a1611:picAttrSrcUrl xmlns:a1611="http://schemas.microsoft.com/office/drawing/2016/11/main" r:id="rId10"/>
                 </a:ext>
               </a:extLst>
             </a:blip>
@@ -8808,6 +8780,39 @@
           </p:spPr>
         </p:pic>
       </p:grpSp>
+      <p:pic>
+        <p:nvPicPr>
+          <p:cNvPr id="55" name="Grafik 54">
+            <a:extLst>
+              <a:ext uri="{FF2B5EF4-FFF2-40B4-BE49-F238E27FC236}">
+                <a16:creationId xmlns:a16="http://schemas.microsoft.com/office/drawing/2014/main" id="{5D902777-14EA-4E39-9FBC-CDFB17778297}"/>
+              </a:ext>
+            </a:extLst>
+          </p:cNvPr>
+          <p:cNvPicPr/>
+          <p:nvPr/>
+        </p:nvPicPr>
+        <p:blipFill>
+          <a:blip r:embed="rId11">
+            <a:extLst>
+              <a:ext uri="{28A0092B-C50C-407E-A947-70E740481C1C}">
+                <a14:useLocalDpi xmlns:a14="http://schemas.microsoft.com/office/drawing/2010/main" val="0"/>
+              </a:ext>
+            </a:extLst>
+          </a:blip>
+          <a:srcRect/>
+          <a:stretch/>
+        </p:blipFill>
+        <p:spPr bwMode="auto">
+          <a:xfrm>
+            <a:off x="8109608" y="3738601"/>
+            <a:ext cx="1037380" cy="1070007"/>
+          </a:xfrm>
+          <a:prstGeom prst="rect">
+            <a:avLst/>
+          </a:prstGeom>
+        </p:spPr>
+      </p:pic>
     </p:spTree>
     <p:extLst>
       <p:ext uri="{BB962C8B-B14F-4D97-AF65-F5344CB8AC3E}">
